--- a/Ninh_Van_Hanh/Application Delivery Controllers.pptx
+++ b/Ninh_Van_Hanh/Application Delivery Controllers.pptx
@@ -12,7 +12,8 @@
     <p:sldId id="260" r:id="rId6"/>
     <p:sldId id="261" r:id="rId7"/>
     <p:sldId id="262" r:id="rId8"/>
-    <p:sldId id="263" r:id="rId9"/>
+    <p:sldId id="264" r:id="rId9"/>
+    <p:sldId id="263" r:id="rId10"/>
   </p:sldIdLst>
   <p:sldSz cx="12192000" cy="6858000"/>
   <p:notesSz cx="6858000" cy="9144000"/>
@@ -111,6 +112,11 @@
       </a:defRPr>
     </a:lvl9pPr>
   </p:defaultTextStyle>
+  <p:extLst>
+    <p:ext uri="{EFAFB233-063F-42B5-8137-9DF3F51BA10A}">
+      <p15:sldGuideLst xmlns:p15="http://schemas.microsoft.com/office/powerpoint/2012/main"/>
+    </p:ext>
+  </p:extLst>
 </p:presentation>
 </file>
 
@@ -245,7 +251,7 @@
           <a:p>
             <a:fld id="{E2FF2C6D-96ED-48BB-AD1F-678B28843921}" type="datetimeFigureOut">
               <a:rPr lang="en-US" smtClean="0"/>
-              <a:t>9/13/2014</a:t>
+              <a:t>9/22/2014</a:t>
             </a:fld>
             <a:endParaRPr lang="en-US"/>
           </a:p>
@@ -415,7 +421,7 @@
           <a:p>
             <a:fld id="{E2FF2C6D-96ED-48BB-AD1F-678B28843921}" type="datetimeFigureOut">
               <a:rPr lang="en-US" smtClean="0"/>
-              <a:t>9/13/2014</a:t>
+              <a:t>9/22/2014</a:t>
             </a:fld>
             <a:endParaRPr lang="en-US"/>
           </a:p>
@@ -595,7 +601,7 @@
           <a:p>
             <a:fld id="{E2FF2C6D-96ED-48BB-AD1F-678B28843921}" type="datetimeFigureOut">
               <a:rPr lang="en-US" smtClean="0"/>
-              <a:t>9/13/2014</a:t>
+              <a:t>9/22/2014</a:t>
             </a:fld>
             <a:endParaRPr lang="en-US"/>
           </a:p>
@@ -765,7 +771,7 @@
           <a:p>
             <a:fld id="{E2FF2C6D-96ED-48BB-AD1F-678B28843921}" type="datetimeFigureOut">
               <a:rPr lang="en-US" smtClean="0"/>
-              <a:t>9/13/2014</a:t>
+              <a:t>9/22/2014</a:t>
             </a:fld>
             <a:endParaRPr lang="en-US"/>
           </a:p>
@@ -1011,7 +1017,7 @@
           <a:p>
             <a:fld id="{E2FF2C6D-96ED-48BB-AD1F-678B28843921}" type="datetimeFigureOut">
               <a:rPr lang="en-US" smtClean="0"/>
-              <a:t>9/13/2014</a:t>
+              <a:t>9/22/2014</a:t>
             </a:fld>
             <a:endParaRPr lang="en-US"/>
           </a:p>
@@ -1243,7 +1249,7 @@
           <a:p>
             <a:fld id="{E2FF2C6D-96ED-48BB-AD1F-678B28843921}" type="datetimeFigureOut">
               <a:rPr lang="en-US" smtClean="0"/>
-              <a:t>9/13/2014</a:t>
+              <a:t>9/22/2014</a:t>
             </a:fld>
             <a:endParaRPr lang="en-US"/>
           </a:p>
@@ -1610,7 +1616,7 @@
           <a:p>
             <a:fld id="{E2FF2C6D-96ED-48BB-AD1F-678B28843921}" type="datetimeFigureOut">
               <a:rPr lang="en-US" smtClean="0"/>
-              <a:t>9/13/2014</a:t>
+              <a:t>9/22/2014</a:t>
             </a:fld>
             <a:endParaRPr lang="en-US"/>
           </a:p>
@@ -1728,7 +1734,7 @@
           <a:p>
             <a:fld id="{E2FF2C6D-96ED-48BB-AD1F-678B28843921}" type="datetimeFigureOut">
               <a:rPr lang="en-US" smtClean="0"/>
-              <a:t>9/13/2014</a:t>
+              <a:t>9/22/2014</a:t>
             </a:fld>
             <a:endParaRPr lang="en-US"/>
           </a:p>
@@ -1823,7 +1829,7 @@
           <a:p>
             <a:fld id="{E2FF2C6D-96ED-48BB-AD1F-678B28843921}" type="datetimeFigureOut">
               <a:rPr lang="en-US" smtClean="0"/>
-              <a:t>9/13/2014</a:t>
+              <a:t>9/22/2014</a:t>
             </a:fld>
             <a:endParaRPr lang="en-US"/>
           </a:p>
@@ -2100,7 +2106,7 @@
           <a:p>
             <a:fld id="{E2FF2C6D-96ED-48BB-AD1F-678B28843921}" type="datetimeFigureOut">
               <a:rPr lang="en-US" smtClean="0"/>
-              <a:t>9/13/2014</a:t>
+              <a:t>9/22/2014</a:t>
             </a:fld>
             <a:endParaRPr lang="en-US"/>
           </a:p>
@@ -2353,7 +2359,7 @@
           <a:p>
             <a:fld id="{E2FF2C6D-96ED-48BB-AD1F-678B28843921}" type="datetimeFigureOut">
               <a:rPr lang="en-US" smtClean="0"/>
-              <a:t>9/13/2014</a:t>
+              <a:t>9/22/2014</a:t>
             </a:fld>
             <a:endParaRPr lang="en-US"/>
           </a:p>
@@ -2575,7 +2581,7 @@
           <a:p>
             <a:fld id="{E2FF2C6D-96ED-48BB-AD1F-678B28843921}" type="datetimeFigureOut">
               <a:rPr lang="en-US" smtClean="0"/>
-              <a:t>9/13/2014</a:t>
+              <a:t>9/22/2014</a:t>
             </a:fld>
             <a:endParaRPr lang="en-US"/>
           </a:p>
@@ -2992,26 +2998,30 @@
         </p:nvSpPr>
         <p:spPr>
           <a:xfrm>
-            <a:off x="342900" y="373063"/>
-            <a:ext cx="11455400" cy="4046537"/>
+            <a:off x="0" y="373063"/>
+            <a:ext cx="12192000" cy="4046537"/>
           </a:xfrm>
         </p:spPr>
         <p:txBody>
-          <a:bodyPr/>
-          <a:lstStyle/>
-          <a:p>
-            <a:r>
-              <a:rPr lang="vi-VN" dirty="0">
-                <a:solidFill>
-                  <a:schemeClr val="bg1"/>
-                </a:solidFill>
+          <a:bodyPr>
+            <a:normAutofit/>
+          </a:bodyPr>
+          <a:lstStyle/>
+          <a:p>
+            <a:r>
+              <a:rPr lang="vi-VN" sz="5400" dirty="0">
+                <a:solidFill>
+                  <a:schemeClr val="bg1"/>
+                </a:solidFill>
+                <a:latin typeface="+mn-lt"/>
               </a:rPr>
               <a:t>Bộ điều khiển ứng dụng giao hàng tận nơi - thu hẹp khoảng cách giữa DevOps và quy hoạch mạng</a:t>
             </a:r>
-            <a:endParaRPr lang="en-US" dirty="0">
+            <a:endParaRPr lang="en-US" sz="5400" dirty="0">
               <a:solidFill>
                 <a:schemeClr val="bg1"/>
               </a:solidFill>
+              <a:latin typeface="+mn-lt"/>
             </a:endParaRPr>
           </a:p>
         </p:txBody>
@@ -3084,8 +3094,8 @@
         </p:nvSpPr>
         <p:spPr>
           <a:xfrm>
-            <a:off x="469900" y="474663"/>
-            <a:ext cx="11176000" cy="960437"/>
+            <a:off x="0" y="474663"/>
+            <a:ext cx="12192000" cy="960437"/>
           </a:xfrm>
         </p:spPr>
         <p:txBody>
@@ -3099,6 +3109,7 @@
                 <a:solidFill>
                   <a:schemeClr val="bg1"/>
                 </a:solidFill>
+                <a:latin typeface="+mn-lt"/>
               </a:rPr>
               <a:t>Ứng dụng giao hàng tận nơi với SaaS</a:t>
             </a:r>
@@ -3106,6 +3117,7 @@
               <a:solidFill>
                 <a:schemeClr val="bg1"/>
               </a:solidFill>
+              <a:latin typeface="+mn-lt"/>
             </a:endParaRPr>
           </a:p>
         </p:txBody>
@@ -3141,7 +3153,6 @@
                 <a:solidFill>
                   <a:schemeClr val="bg1"/>
                 </a:solidFill>
-                <a:latin typeface="+mj-lt"/>
               </a:rPr>
               <a:t>nhà cung cấp SaaS vẫn dẫn đầu trong việc áp dụng nguyên tắc điện toán đám </a:t>
             </a:r>
@@ -3150,7 +3161,6 @@
                 <a:solidFill>
                   <a:schemeClr val="bg1"/>
                 </a:solidFill>
-                <a:latin typeface="+mj-lt"/>
               </a:rPr>
               <a:t>mây</a:t>
             </a:r>
@@ -3159,7 +3169,6 @@
                 <a:solidFill>
                   <a:schemeClr val="bg1"/>
                 </a:solidFill>
-                <a:latin typeface="+mj-lt"/>
               </a:rPr>
               <a:t>.</a:t>
             </a:r>
@@ -3174,7 +3183,6 @@
                 <a:solidFill>
                   <a:schemeClr val="bg1"/>
                 </a:solidFill>
-                <a:latin typeface="+mj-lt"/>
               </a:rPr>
               <a:t>ADC cho triển khai SaaS và các ứng dụng web dựa trên công nghệ đám mây phải vượt trội trong các lĩnh </a:t>
             </a:r>
@@ -3183,7 +3191,6 @@
                 <a:solidFill>
                   <a:schemeClr val="bg1"/>
                 </a:solidFill>
-                <a:latin typeface="+mj-lt"/>
               </a:rPr>
               <a:t>vực</a:t>
             </a:r>
@@ -3192,7 +3199,6 @@
                 <a:solidFill>
                   <a:schemeClr val="bg1"/>
                 </a:solidFill>
-                <a:latin typeface="+mj-lt"/>
               </a:rPr>
               <a:t>:</a:t>
             </a:r>
@@ -3207,7 +3213,6 @@
                 <a:solidFill>
                   <a:schemeClr val="bg1"/>
                 </a:solidFill>
-                <a:latin typeface="+mj-lt"/>
               </a:rPr>
               <a:t>khả năng mở </a:t>
             </a:r>
@@ -3216,7 +3221,6 @@
                 <a:solidFill>
                   <a:schemeClr val="bg1"/>
                 </a:solidFill>
-                <a:latin typeface="+mj-lt"/>
               </a:rPr>
               <a:t>rộng </a:t>
             </a:r>
@@ -3224,7 +3228,6 @@
               <a:solidFill>
                 <a:schemeClr val="bg1"/>
               </a:solidFill>
-              <a:latin typeface="+mj-lt"/>
             </a:endParaRPr>
           </a:p>
           <a:p>
@@ -3237,7 +3240,6 @@
                 <a:solidFill>
                   <a:schemeClr val="bg1"/>
                 </a:solidFill>
-                <a:latin typeface="+mj-lt"/>
               </a:rPr>
               <a:t>khả </a:t>
             </a:r>
@@ -3246,7 +3248,6 @@
                 <a:solidFill>
                   <a:schemeClr val="bg1"/>
                 </a:solidFill>
-                <a:latin typeface="+mj-lt"/>
               </a:rPr>
               <a:t>năng thích </a:t>
             </a:r>
@@ -3255,7 +3256,6 @@
                 <a:solidFill>
                   <a:schemeClr val="bg1"/>
                 </a:solidFill>
-                <a:latin typeface="+mj-lt"/>
               </a:rPr>
               <a:t>ứng</a:t>
             </a:r>
@@ -3263,7 +3263,6 @@
               <a:solidFill>
                 <a:schemeClr val="bg1"/>
               </a:solidFill>
-              <a:latin typeface="+mj-lt"/>
             </a:endParaRPr>
           </a:p>
           <a:p>
@@ -3276,7 +3275,6 @@
                 <a:solidFill>
                   <a:schemeClr val="bg1"/>
                 </a:solidFill>
-                <a:latin typeface="+mj-lt"/>
               </a:rPr>
               <a:t>đơn giản </a:t>
             </a:r>
@@ -3284,7 +3282,6 @@
               <a:solidFill>
                 <a:schemeClr val="bg1"/>
               </a:solidFill>
-              <a:latin typeface="+mj-lt"/>
             </a:endParaRPr>
           </a:p>
           <a:p>
@@ -3297,7 +3294,6 @@
                 <a:solidFill>
                   <a:schemeClr val="bg1"/>
                 </a:solidFill>
-                <a:latin typeface="+mj-lt"/>
               </a:rPr>
               <a:t>quản lý </a:t>
             </a:r>
@@ -3305,7 +3301,6 @@
               <a:solidFill>
                 <a:schemeClr val="bg1"/>
               </a:solidFill>
-              <a:latin typeface="+mj-lt"/>
             </a:endParaRPr>
           </a:p>
           <a:p>
@@ -3318,7 +3313,6 @@
                 <a:solidFill>
                   <a:schemeClr val="bg1"/>
                 </a:solidFill>
-                <a:latin typeface="+mj-lt"/>
               </a:rPr>
               <a:t>giá </a:t>
             </a:r>
@@ -3327,7 +3321,6 @@
                 <a:solidFill>
                   <a:schemeClr val="bg1"/>
                 </a:solidFill>
-                <a:latin typeface="+mj-lt"/>
               </a:rPr>
               <a:t>– hiệu suất</a:t>
             </a:r>
@@ -3335,7 +3328,6 @@
               <a:solidFill>
                 <a:schemeClr val="bg1"/>
               </a:solidFill>
-              <a:latin typeface="+mj-lt"/>
             </a:endParaRPr>
           </a:p>
         </p:txBody>
@@ -3404,8 +3396,8 @@
                 <a:solidFill>
                   <a:schemeClr val="bg1"/>
                 </a:solidFill>
-                <a:latin typeface="Times New Roman" panose="02020603050405020304" pitchFamily="18" charset="0"/>
-                <a:cs typeface="Times New Roman" panose="02020603050405020304" pitchFamily="18" charset="0"/>
+                <a:latin typeface="Arial" panose="020B0604020202020204" pitchFamily="34" charset="0"/>
+                <a:cs typeface="Arial" panose="020B0604020202020204" pitchFamily="34" charset="0"/>
               </a:rPr>
               <a:t>K</a:t>
             </a:r>
@@ -3414,8 +3406,8 @@
                 <a:solidFill>
                   <a:schemeClr val="bg1"/>
                 </a:solidFill>
-                <a:latin typeface="Times New Roman" panose="02020603050405020304" pitchFamily="18" charset="0"/>
-                <a:cs typeface="Times New Roman" panose="02020603050405020304" pitchFamily="18" charset="0"/>
+                <a:latin typeface="Arial" panose="020B0604020202020204" pitchFamily="34" charset="0"/>
+                <a:cs typeface="Arial" panose="020B0604020202020204" pitchFamily="34" charset="0"/>
               </a:rPr>
               <a:t>hả </a:t>
             </a:r>
@@ -3424,8 +3416,8 @@
                 <a:solidFill>
                   <a:schemeClr val="bg1"/>
                 </a:solidFill>
-                <a:latin typeface="Times New Roman" panose="02020603050405020304" pitchFamily="18" charset="0"/>
-                <a:cs typeface="Times New Roman" panose="02020603050405020304" pitchFamily="18" charset="0"/>
+                <a:latin typeface="Arial" panose="020B0604020202020204" pitchFamily="34" charset="0"/>
+                <a:cs typeface="Arial" panose="020B0604020202020204" pitchFamily="34" charset="0"/>
               </a:rPr>
               <a:t>năng mở rộng</a:t>
             </a:r>
@@ -3433,8 +3425,8 @@
               <a:solidFill>
                 <a:schemeClr val="bg1"/>
               </a:solidFill>
-              <a:latin typeface="Times New Roman" panose="02020603050405020304" pitchFamily="18" charset="0"/>
-              <a:cs typeface="Times New Roman" panose="02020603050405020304" pitchFamily="18" charset="0"/>
+              <a:latin typeface="Arial" panose="020B0604020202020204" pitchFamily="34" charset="0"/>
+              <a:cs typeface="Arial" panose="020B0604020202020204" pitchFamily="34" charset="0"/>
             </a:endParaRPr>
           </a:p>
         </p:txBody>
@@ -3468,8 +3460,8 @@
                 <a:solidFill>
                   <a:schemeClr val="bg1"/>
                 </a:solidFill>
-                <a:latin typeface="Times New Roman" panose="02020603050405020304" pitchFamily="18" charset="0"/>
-                <a:cs typeface="Times New Roman" panose="02020603050405020304" pitchFamily="18" charset="0"/>
+                <a:latin typeface="Arial" panose="020B0604020202020204" pitchFamily="34" charset="0"/>
+                <a:cs typeface="Arial" panose="020B0604020202020204" pitchFamily="34" charset="0"/>
               </a:rPr>
               <a:t>K</a:t>
             </a:r>
@@ -3478,8 +3470,8 @@
                 <a:solidFill>
                   <a:schemeClr val="bg1"/>
                 </a:solidFill>
-                <a:latin typeface="Times New Roman" panose="02020603050405020304" pitchFamily="18" charset="0"/>
-                <a:cs typeface="Times New Roman" panose="02020603050405020304" pitchFamily="18" charset="0"/>
+                <a:latin typeface="Arial" panose="020B0604020202020204" pitchFamily="34" charset="0"/>
+                <a:cs typeface="Arial" panose="020B0604020202020204" pitchFamily="34" charset="0"/>
               </a:rPr>
               <a:t>ế </a:t>
             </a:r>
@@ -3488,8 +3480,8 @@
                 <a:solidFill>
                   <a:schemeClr val="bg1"/>
                 </a:solidFill>
-                <a:latin typeface="Times New Roman" panose="02020603050405020304" pitchFamily="18" charset="0"/>
-                <a:cs typeface="Times New Roman" panose="02020603050405020304" pitchFamily="18" charset="0"/>
+                <a:latin typeface="Arial" panose="020B0604020202020204" pitchFamily="34" charset="0"/>
+                <a:cs typeface="Arial" panose="020B0604020202020204" pitchFamily="34" charset="0"/>
               </a:rPr>
               <a:t>hoạch kinh doanh của một nhà cung cấp </a:t>
             </a:r>
@@ -3498,8 +3490,8 @@
                 <a:solidFill>
                   <a:schemeClr val="bg1"/>
                 </a:solidFill>
-                <a:latin typeface="Times New Roman" panose="02020603050405020304" pitchFamily="18" charset="0"/>
-                <a:cs typeface="Times New Roman" panose="02020603050405020304" pitchFamily="18" charset="0"/>
+                <a:latin typeface="Arial" panose="020B0604020202020204" pitchFamily="34" charset="0"/>
+                <a:cs typeface="Arial" panose="020B0604020202020204" pitchFamily="34" charset="0"/>
               </a:rPr>
               <a:t>SaaS</a:t>
             </a:r>
@@ -3507,8 +3499,8 @@
               <a:solidFill>
                 <a:schemeClr val="bg1"/>
               </a:solidFill>
-              <a:latin typeface="Times New Roman" panose="02020603050405020304" pitchFamily="18" charset="0"/>
-              <a:cs typeface="Times New Roman" panose="02020603050405020304" pitchFamily="18" charset="0"/>
+              <a:latin typeface="Arial" panose="020B0604020202020204" pitchFamily="34" charset="0"/>
+              <a:cs typeface="Arial" panose="020B0604020202020204" pitchFamily="34" charset="0"/>
             </a:endParaRPr>
           </a:p>
           <a:p>
@@ -3521,8 +3513,8 @@
                 <a:solidFill>
                   <a:schemeClr val="bg1"/>
                 </a:solidFill>
-                <a:latin typeface="Times New Roman" panose="02020603050405020304" pitchFamily="18" charset="0"/>
-                <a:cs typeface="Times New Roman" panose="02020603050405020304" pitchFamily="18" charset="0"/>
+                <a:latin typeface="Arial" panose="020B0604020202020204" pitchFamily="34" charset="0"/>
+                <a:cs typeface="Arial" panose="020B0604020202020204" pitchFamily="34" charset="0"/>
               </a:rPr>
               <a:t>ADC hoạt động trong môi trường SaaS cần phải có chức năng quản lý lưu lượng mà không làm ảnh hưởng đến hiệu suất hay khả năng mở rộng</a:t>
             </a:r>
@@ -3531,8 +3523,8 @@
                 <a:solidFill>
                   <a:schemeClr val="bg1"/>
                 </a:solidFill>
-                <a:latin typeface="Times New Roman" panose="02020603050405020304" pitchFamily="18" charset="0"/>
-                <a:cs typeface="Times New Roman" panose="02020603050405020304" pitchFamily="18" charset="0"/>
+                <a:latin typeface="Arial" panose="020B0604020202020204" pitchFamily="34" charset="0"/>
+                <a:cs typeface="Arial" panose="020B0604020202020204" pitchFamily="34" charset="0"/>
               </a:rPr>
               <a:t>.</a:t>
             </a:r>
@@ -3540,8 +3532,8 @@
               <a:solidFill>
                 <a:schemeClr val="bg1"/>
               </a:solidFill>
-              <a:latin typeface="Times New Roman" panose="02020603050405020304" pitchFamily="18" charset="0"/>
-              <a:cs typeface="Times New Roman" panose="02020603050405020304" pitchFamily="18" charset="0"/>
+              <a:latin typeface="Arial" panose="020B0604020202020204" pitchFamily="34" charset="0"/>
+              <a:cs typeface="Arial" panose="020B0604020202020204" pitchFamily="34" charset="0"/>
             </a:endParaRPr>
           </a:p>
           <a:p>
@@ -3554,8 +3546,8 @@
                 <a:solidFill>
                   <a:schemeClr val="bg1"/>
                 </a:solidFill>
-                <a:latin typeface="Times New Roman" panose="02020603050405020304" pitchFamily="18" charset="0"/>
-                <a:cs typeface="Times New Roman" panose="02020603050405020304" pitchFamily="18" charset="0"/>
+                <a:latin typeface="Arial" panose="020B0604020202020204" pitchFamily="34" charset="0"/>
+                <a:cs typeface="Arial" panose="020B0604020202020204" pitchFamily="34" charset="0"/>
               </a:rPr>
               <a:t>Trong việc lựa chọn một ADC, các đội cơ sở hạ tầng hỗ trợ SaaS và các ứng dụng dựa trên điện toán đám mây nên tìm ADC với thư viện lớn nhất có thể được xây dựng trong layer-7 lệnh</a:t>
             </a:r>
@@ -3563,8 +3555,8 @@
               <a:solidFill>
                 <a:schemeClr val="bg1"/>
               </a:solidFill>
-              <a:latin typeface="Times New Roman" panose="02020603050405020304" pitchFamily="18" charset="0"/>
-              <a:cs typeface="Times New Roman" panose="02020603050405020304" pitchFamily="18" charset="0"/>
+              <a:latin typeface="Arial" panose="020B0604020202020204" pitchFamily="34" charset="0"/>
+              <a:cs typeface="Arial" panose="020B0604020202020204" pitchFamily="34" charset="0"/>
             </a:endParaRPr>
           </a:p>
           <a:p>
@@ -3577,8 +3569,8 @@
                 <a:solidFill>
                   <a:schemeClr val="bg1"/>
                 </a:solidFill>
-                <a:latin typeface="Times New Roman" panose="02020603050405020304" pitchFamily="18" charset="0"/>
-                <a:cs typeface="Times New Roman" panose="02020603050405020304" pitchFamily="18" charset="0"/>
+                <a:latin typeface="Arial" panose="020B0604020202020204" pitchFamily="34" charset="0"/>
+                <a:cs typeface="Arial" panose="020B0604020202020204" pitchFamily="34" charset="0"/>
               </a:rPr>
               <a:t>M</a:t>
             </a:r>
@@ -3587,8 +3579,8 @@
                 <a:solidFill>
                   <a:schemeClr val="bg1"/>
                 </a:solidFill>
-                <a:latin typeface="Times New Roman" panose="02020603050405020304" pitchFamily="18" charset="0"/>
-                <a:cs typeface="Times New Roman" panose="02020603050405020304" pitchFamily="18" charset="0"/>
+                <a:latin typeface="Arial" panose="020B0604020202020204" pitchFamily="34" charset="0"/>
+                <a:cs typeface="Arial" panose="020B0604020202020204" pitchFamily="34" charset="0"/>
               </a:rPr>
               <a:t>ã </a:t>
             </a:r>
@@ -3597,8 +3589,8 @@
                 <a:solidFill>
                   <a:schemeClr val="bg1"/>
                 </a:solidFill>
-                <a:latin typeface="Times New Roman" panose="02020603050405020304" pitchFamily="18" charset="0"/>
-                <a:cs typeface="Times New Roman" panose="02020603050405020304" pitchFamily="18" charset="0"/>
+                <a:latin typeface="Arial" panose="020B0604020202020204" pitchFamily="34" charset="0"/>
+                <a:cs typeface="Arial" panose="020B0604020202020204" pitchFamily="34" charset="0"/>
               </a:rPr>
               <a:t>hóa SSL 2048 bit </a:t>
             </a:r>
@@ -3606,8 +3598,8 @@
               <a:solidFill>
                 <a:schemeClr val="bg1"/>
               </a:solidFill>
-              <a:latin typeface="Times New Roman" panose="02020603050405020304" pitchFamily="18" charset="0"/>
-              <a:cs typeface="Times New Roman" panose="02020603050405020304" pitchFamily="18" charset="0"/>
+              <a:latin typeface="Arial" panose="020B0604020202020204" pitchFamily="34" charset="0"/>
+              <a:cs typeface="Arial" panose="020B0604020202020204" pitchFamily="34" charset="0"/>
             </a:endParaRPr>
           </a:p>
           <a:p>
@@ -3620,8 +3612,8 @@
                 <a:solidFill>
                   <a:schemeClr val="bg1"/>
                 </a:solidFill>
-                <a:latin typeface="Times New Roman" panose="02020603050405020304" pitchFamily="18" charset="0"/>
-                <a:cs typeface="Times New Roman" panose="02020603050405020304" pitchFamily="18" charset="0"/>
+                <a:latin typeface="Arial" panose="020B0604020202020204" pitchFamily="34" charset="0"/>
+                <a:cs typeface="Arial" panose="020B0604020202020204" pitchFamily="34" charset="0"/>
               </a:rPr>
               <a:t>Các đội cơ sở hạ tầng hỗ trợ SaaS và các ứng dụng dựa trên đám mây nên tìm con số thực hiện SSL cung cấp đủ khoảng không cho sự tăng trưởng dự kiến ​​trong lưu lượng truy cập ứng dụng</a:t>
             </a:r>
@@ -3630,8 +3622,8 @@
                 <a:solidFill>
                   <a:schemeClr val="bg1"/>
                 </a:solidFill>
-                <a:latin typeface="Times New Roman" panose="02020603050405020304" pitchFamily="18" charset="0"/>
-                <a:cs typeface="Times New Roman" panose="02020603050405020304" pitchFamily="18" charset="0"/>
+                <a:latin typeface="Arial" panose="020B0604020202020204" pitchFamily="34" charset="0"/>
+                <a:cs typeface="Arial" panose="020B0604020202020204" pitchFamily="34" charset="0"/>
               </a:rPr>
               <a:t>.</a:t>
             </a:r>
@@ -3639,8 +3631,8 @@
               <a:solidFill>
                 <a:schemeClr val="bg1"/>
               </a:solidFill>
-              <a:latin typeface="Times New Roman" panose="02020603050405020304" pitchFamily="18" charset="0"/>
-              <a:cs typeface="Times New Roman" panose="02020603050405020304" pitchFamily="18" charset="0"/>
+              <a:latin typeface="Arial" panose="020B0604020202020204" pitchFamily="34" charset="0"/>
+              <a:cs typeface="Arial" panose="020B0604020202020204" pitchFamily="34" charset="0"/>
             </a:endParaRPr>
           </a:p>
           <a:p>
@@ -3649,8 +3641,8 @@
               <a:solidFill>
                 <a:schemeClr val="bg1"/>
               </a:solidFill>
-              <a:latin typeface="Times New Roman" panose="02020603050405020304" pitchFamily="18" charset="0"/>
-              <a:cs typeface="Times New Roman" panose="02020603050405020304" pitchFamily="18" charset="0"/>
+              <a:latin typeface="Arial" panose="020B0604020202020204" pitchFamily="34" charset="0"/>
+              <a:cs typeface="Arial" panose="020B0604020202020204" pitchFamily="34" charset="0"/>
             </a:endParaRPr>
           </a:p>
         </p:txBody>
@@ -3719,6 +3711,7 @@
                 <a:solidFill>
                   <a:schemeClr val="bg1"/>
                 </a:solidFill>
+                <a:latin typeface="+mn-lt"/>
               </a:rPr>
               <a:t>Khả năng thích ứng</a:t>
             </a:r>
@@ -3726,6 +3719,7 @@
               <a:solidFill>
                 <a:schemeClr val="bg1"/>
               </a:solidFill>
+              <a:latin typeface="+mn-lt"/>
             </a:endParaRPr>
           </a:p>
         </p:txBody>
@@ -3761,8 +3755,8 @@
                 <a:solidFill>
                   <a:schemeClr val="bg1"/>
                 </a:solidFill>
-                <a:latin typeface="Times New Roman" panose="02020603050405020304" pitchFamily="18" charset="0"/>
-                <a:cs typeface="Times New Roman" panose="02020603050405020304" pitchFamily="18" charset="0"/>
+                <a:latin typeface="Arial" panose="020B0604020202020204" pitchFamily="34" charset="0"/>
+                <a:cs typeface="Arial" panose="020B0604020202020204" pitchFamily="34" charset="0"/>
               </a:rPr>
               <a:t>C</a:t>
             </a:r>
@@ -3771,8 +3765,8 @@
                 <a:solidFill>
                   <a:schemeClr val="bg1"/>
                 </a:solidFill>
-                <a:latin typeface="Times New Roman" panose="02020603050405020304" pitchFamily="18" charset="0"/>
-                <a:cs typeface="Times New Roman" panose="02020603050405020304" pitchFamily="18" charset="0"/>
+                <a:latin typeface="Arial" panose="020B0604020202020204" pitchFamily="34" charset="0"/>
+                <a:cs typeface="Arial" panose="020B0604020202020204" pitchFamily="34" charset="0"/>
               </a:rPr>
               <a:t>ác </a:t>
             </a:r>
@@ -3781,8 +3775,8 @@
                 <a:solidFill>
                   <a:schemeClr val="bg1"/>
                 </a:solidFill>
-                <a:latin typeface="Times New Roman" panose="02020603050405020304" pitchFamily="18" charset="0"/>
-                <a:cs typeface="Times New Roman" panose="02020603050405020304" pitchFamily="18" charset="0"/>
+                <a:latin typeface="Arial" panose="020B0604020202020204" pitchFamily="34" charset="0"/>
+                <a:cs typeface="Arial" panose="020B0604020202020204" pitchFamily="34" charset="0"/>
               </a:rPr>
               <a:t>nhà cung cấp SaaS,  DevOps và các đội cơ sở hạ tầng cũng phải thích nghi với sự thay đổi các yêu cầu về phát triển ứng </a:t>
             </a:r>
@@ -3791,8 +3785,8 @@
                 <a:solidFill>
                   <a:schemeClr val="bg1"/>
                 </a:solidFill>
-                <a:latin typeface="Times New Roman" panose="02020603050405020304" pitchFamily="18" charset="0"/>
-                <a:cs typeface="Times New Roman" panose="02020603050405020304" pitchFamily="18" charset="0"/>
+                <a:latin typeface="Arial" panose="020B0604020202020204" pitchFamily="34" charset="0"/>
+                <a:cs typeface="Arial" panose="020B0604020202020204" pitchFamily="34" charset="0"/>
               </a:rPr>
               <a:t>dụng</a:t>
             </a:r>
@@ -3801,8 +3795,8 @@
                 <a:solidFill>
                   <a:schemeClr val="bg1"/>
                 </a:solidFill>
-                <a:latin typeface="Times New Roman" panose="02020603050405020304" pitchFamily="18" charset="0"/>
-                <a:cs typeface="Times New Roman" panose="02020603050405020304" pitchFamily="18" charset="0"/>
+                <a:latin typeface="Arial" panose="020B0604020202020204" pitchFamily="34" charset="0"/>
+                <a:cs typeface="Arial" panose="020B0604020202020204" pitchFamily="34" charset="0"/>
               </a:rPr>
               <a:t>.</a:t>
             </a:r>
@@ -3817,8 +3811,8 @@
                 <a:solidFill>
                   <a:schemeClr val="bg1"/>
                 </a:solidFill>
-                <a:latin typeface="Times New Roman" panose="02020603050405020304" pitchFamily="18" charset="0"/>
-                <a:cs typeface="Times New Roman" panose="02020603050405020304" pitchFamily="18" charset="0"/>
+                <a:latin typeface="Arial" panose="020B0604020202020204" pitchFamily="34" charset="0"/>
+                <a:cs typeface="Arial" panose="020B0604020202020204" pitchFamily="34" charset="0"/>
               </a:rPr>
               <a:t>Một khía cạnh quan trọng của khả năng thích ứng là khả năng cung cấp các thiết bị phù hợp với nhiệm vụ </a:t>
             </a:r>
@@ -3827,8 +3821,8 @@
                 <a:solidFill>
                   <a:schemeClr val="bg1"/>
                 </a:solidFill>
-                <a:latin typeface="Times New Roman" panose="02020603050405020304" pitchFamily="18" charset="0"/>
-                <a:cs typeface="Times New Roman" panose="02020603050405020304" pitchFamily="18" charset="0"/>
+                <a:latin typeface="Arial" panose="020B0604020202020204" pitchFamily="34" charset="0"/>
+                <a:cs typeface="Arial" panose="020B0604020202020204" pitchFamily="34" charset="0"/>
               </a:rPr>
               <a:t>ngay</a:t>
             </a:r>
@@ -3837,8 +3831,8 @@
                 <a:solidFill>
                   <a:schemeClr val="bg1"/>
                 </a:solidFill>
-                <a:latin typeface="Times New Roman" panose="02020603050405020304" pitchFamily="18" charset="0"/>
-                <a:cs typeface="Times New Roman" panose="02020603050405020304" pitchFamily="18" charset="0"/>
+                <a:latin typeface="Arial" panose="020B0604020202020204" pitchFamily="34" charset="0"/>
+                <a:cs typeface="Arial" panose="020B0604020202020204" pitchFamily="34" charset="0"/>
               </a:rPr>
               <a:t>.</a:t>
             </a:r>
@@ -3853,8 +3847,8 @@
                 <a:solidFill>
                   <a:schemeClr val="bg1"/>
                 </a:solidFill>
-                <a:latin typeface="Times New Roman" panose="02020603050405020304" pitchFamily="18" charset="0"/>
-                <a:cs typeface="Times New Roman" panose="02020603050405020304" pitchFamily="18" charset="0"/>
+                <a:latin typeface="Arial" panose="020B0604020202020204" pitchFamily="34" charset="0"/>
+                <a:cs typeface="Arial" panose="020B0604020202020204" pitchFamily="34" charset="0"/>
               </a:rPr>
               <a:t>Để</a:t>
             </a:r>
@@ -3863,8 +3857,8 @@
                 <a:solidFill>
                   <a:schemeClr val="bg1"/>
                 </a:solidFill>
-                <a:latin typeface="Times New Roman" panose="02020603050405020304" pitchFamily="18" charset="0"/>
-                <a:cs typeface="Times New Roman" panose="02020603050405020304" pitchFamily="18" charset="0"/>
+                <a:latin typeface="Arial" panose="020B0604020202020204" pitchFamily="34" charset="0"/>
+                <a:cs typeface="Arial" panose="020B0604020202020204" pitchFamily="34" charset="0"/>
               </a:rPr>
               <a:t> </a:t>
             </a:r>
@@ -3873,8 +3867,8 @@
                 <a:solidFill>
                   <a:schemeClr val="bg1"/>
                 </a:solidFill>
-                <a:latin typeface="Times New Roman" panose="02020603050405020304" pitchFamily="18" charset="0"/>
-                <a:cs typeface="Times New Roman" panose="02020603050405020304" pitchFamily="18" charset="0"/>
+                <a:latin typeface="Arial" panose="020B0604020202020204" pitchFamily="34" charset="0"/>
+                <a:cs typeface="Arial" panose="020B0604020202020204" pitchFamily="34" charset="0"/>
               </a:rPr>
               <a:t>đáp</a:t>
             </a:r>
@@ -3883,8 +3877,8 @@
                 <a:solidFill>
                   <a:schemeClr val="bg1"/>
                 </a:solidFill>
-                <a:latin typeface="Times New Roman" panose="02020603050405020304" pitchFamily="18" charset="0"/>
-                <a:cs typeface="Times New Roman" panose="02020603050405020304" pitchFamily="18" charset="0"/>
+                <a:latin typeface="Arial" panose="020B0604020202020204" pitchFamily="34" charset="0"/>
+                <a:cs typeface="Arial" panose="020B0604020202020204" pitchFamily="34" charset="0"/>
               </a:rPr>
               <a:t> </a:t>
             </a:r>
@@ -3893,8 +3887,8 @@
                 <a:solidFill>
                   <a:schemeClr val="bg1"/>
                 </a:solidFill>
-                <a:latin typeface="Times New Roman" panose="02020603050405020304" pitchFamily="18" charset="0"/>
-                <a:cs typeface="Times New Roman" panose="02020603050405020304" pitchFamily="18" charset="0"/>
+                <a:latin typeface="Arial" panose="020B0604020202020204" pitchFamily="34" charset="0"/>
+                <a:cs typeface="Arial" panose="020B0604020202020204" pitchFamily="34" charset="0"/>
               </a:rPr>
               <a:t>ứng</a:t>
             </a:r>
@@ -3903,8 +3897,8 @@
                 <a:solidFill>
                   <a:schemeClr val="bg1"/>
                 </a:solidFill>
-                <a:latin typeface="Times New Roman" panose="02020603050405020304" pitchFamily="18" charset="0"/>
-                <a:cs typeface="Times New Roman" panose="02020603050405020304" pitchFamily="18" charset="0"/>
+                <a:latin typeface="Arial" panose="020B0604020202020204" pitchFamily="34" charset="0"/>
+                <a:cs typeface="Arial" panose="020B0604020202020204" pitchFamily="34" charset="0"/>
               </a:rPr>
               <a:t> </a:t>
             </a:r>
@@ -3913,8 +3907,8 @@
                 <a:solidFill>
                   <a:schemeClr val="bg1"/>
                 </a:solidFill>
-                <a:latin typeface="Times New Roman" panose="02020603050405020304" pitchFamily="18" charset="0"/>
-                <a:cs typeface="Times New Roman" panose="02020603050405020304" pitchFamily="18" charset="0"/>
+                <a:latin typeface="Arial" panose="020B0604020202020204" pitchFamily="34" charset="0"/>
+                <a:cs typeface="Arial" panose="020B0604020202020204" pitchFamily="34" charset="0"/>
               </a:rPr>
               <a:t>yêu</a:t>
             </a:r>
@@ -3923,8 +3917,8 @@
                 <a:solidFill>
                   <a:schemeClr val="bg1"/>
                 </a:solidFill>
-                <a:latin typeface="Times New Roman" panose="02020603050405020304" pitchFamily="18" charset="0"/>
-                <a:cs typeface="Times New Roman" panose="02020603050405020304" pitchFamily="18" charset="0"/>
+                <a:latin typeface="Arial" panose="020B0604020202020204" pitchFamily="34" charset="0"/>
+                <a:cs typeface="Arial" panose="020B0604020202020204" pitchFamily="34" charset="0"/>
               </a:rPr>
               <a:t> </a:t>
             </a:r>
@@ -3933,8 +3927,8 @@
                 <a:solidFill>
                   <a:schemeClr val="bg1"/>
                 </a:solidFill>
-                <a:latin typeface="Times New Roman" panose="02020603050405020304" pitchFamily="18" charset="0"/>
-                <a:cs typeface="Times New Roman" panose="02020603050405020304" pitchFamily="18" charset="0"/>
+                <a:latin typeface="Arial" panose="020B0604020202020204" pitchFamily="34" charset="0"/>
+                <a:cs typeface="Arial" panose="020B0604020202020204" pitchFamily="34" charset="0"/>
               </a:rPr>
               <a:t>cầu</a:t>
             </a:r>
@@ -3943,8 +3937,8 @@
                 <a:solidFill>
                   <a:schemeClr val="bg1"/>
                 </a:solidFill>
-                <a:latin typeface="Times New Roman" panose="02020603050405020304" pitchFamily="18" charset="0"/>
-                <a:cs typeface="Times New Roman" panose="02020603050405020304" pitchFamily="18" charset="0"/>
+                <a:latin typeface="Arial" panose="020B0604020202020204" pitchFamily="34" charset="0"/>
+                <a:cs typeface="Arial" panose="020B0604020202020204" pitchFamily="34" charset="0"/>
               </a:rPr>
               <a:t> </a:t>
             </a:r>
@@ -3953,8 +3947,8 @@
                 <a:solidFill>
                   <a:schemeClr val="bg1"/>
                 </a:solidFill>
-                <a:latin typeface="Times New Roman" panose="02020603050405020304" pitchFamily="18" charset="0"/>
-                <a:cs typeface="Times New Roman" panose="02020603050405020304" pitchFamily="18" charset="0"/>
+                <a:latin typeface="Arial" panose="020B0604020202020204" pitchFamily="34" charset="0"/>
+                <a:cs typeface="Arial" panose="020B0604020202020204" pitchFamily="34" charset="0"/>
               </a:rPr>
               <a:t>này</a:t>
             </a:r>
@@ -3963,8 +3957,8 @@
                 <a:solidFill>
                   <a:schemeClr val="bg1"/>
                 </a:solidFill>
-                <a:latin typeface="Times New Roman" panose="02020603050405020304" pitchFamily="18" charset="0"/>
-                <a:cs typeface="Times New Roman" panose="02020603050405020304" pitchFamily="18" charset="0"/>
+                <a:latin typeface="Arial" panose="020B0604020202020204" pitchFamily="34" charset="0"/>
+                <a:cs typeface="Arial" panose="020B0604020202020204" pitchFamily="34" charset="0"/>
               </a:rPr>
               <a:t>, </a:t>
             </a:r>
@@ -3973,8 +3967,8 @@
                 <a:solidFill>
                   <a:schemeClr val="bg1"/>
                 </a:solidFill>
-                <a:latin typeface="Times New Roman" panose="02020603050405020304" pitchFamily="18" charset="0"/>
-                <a:cs typeface="Times New Roman" panose="02020603050405020304" pitchFamily="18" charset="0"/>
+                <a:latin typeface="Arial" panose="020B0604020202020204" pitchFamily="34" charset="0"/>
+                <a:cs typeface="Arial" panose="020B0604020202020204" pitchFamily="34" charset="0"/>
               </a:rPr>
               <a:t>DevOps</a:t>
             </a:r>
@@ -3983,8 +3977,8 @@
                 <a:solidFill>
                   <a:schemeClr val="bg1"/>
                 </a:solidFill>
-                <a:latin typeface="Times New Roman" panose="02020603050405020304" pitchFamily="18" charset="0"/>
-                <a:cs typeface="Times New Roman" panose="02020603050405020304" pitchFamily="18" charset="0"/>
+                <a:latin typeface="Arial" panose="020B0604020202020204" pitchFamily="34" charset="0"/>
+                <a:cs typeface="Arial" panose="020B0604020202020204" pitchFamily="34" charset="0"/>
               </a:rPr>
               <a:t> </a:t>
             </a:r>
@@ -3993,8 +3987,8 @@
                 <a:solidFill>
                   <a:schemeClr val="bg1"/>
                 </a:solidFill>
-                <a:latin typeface="Times New Roman" panose="02020603050405020304" pitchFamily="18" charset="0"/>
-                <a:cs typeface="Times New Roman" panose="02020603050405020304" pitchFamily="18" charset="0"/>
+                <a:latin typeface="Arial" panose="020B0604020202020204" pitchFamily="34" charset="0"/>
+                <a:cs typeface="Arial" panose="020B0604020202020204" pitchFamily="34" charset="0"/>
               </a:rPr>
               <a:t>và</a:t>
             </a:r>
@@ -4003,8 +3997,8 @@
                 <a:solidFill>
                   <a:schemeClr val="bg1"/>
                 </a:solidFill>
-                <a:latin typeface="Times New Roman" panose="02020603050405020304" pitchFamily="18" charset="0"/>
-                <a:cs typeface="Times New Roman" panose="02020603050405020304" pitchFamily="18" charset="0"/>
+                <a:latin typeface="Arial" panose="020B0604020202020204" pitchFamily="34" charset="0"/>
+                <a:cs typeface="Arial" panose="020B0604020202020204" pitchFamily="34" charset="0"/>
               </a:rPr>
               <a:t> </a:t>
             </a:r>
@@ -4013,8 +4007,8 @@
                 <a:solidFill>
                   <a:schemeClr val="bg1"/>
                 </a:solidFill>
-                <a:latin typeface="Times New Roman" panose="02020603050405020304" pitchFamily="18" charset="0"/>
-                <a:cs typeface="Times New Roman" panose="02020603050405020304" pitchFamily="18" charset="0"/>
+                <a:latin typeface="Arial" panose="020B0604020202020204" pitchFamily="34" charset="0"/>
+                <a:cs typeface="Arial" panose="020B0604020202020204" pitchFamily="34" charset="0"/>
               </a:rPr>
               <a:t>đội</a:t>
             </a:r>
@@ -4023,8 +4017,8 @@
                 <a:solidFill>
                   <a:schemeClr val="bg1"/>
                 </a:solidFill>
-                <a:latin typeface="Times New Roman" panose="02020603050405020304" pitchFamily="18" charset="0"/>
-                <a:cs typeface="Times New Roman" panose="02020603050405020304" pitchFamily="18" charset="0"/>
+                <a:latin typeface="Arial" panose="020B0604020202020204" pitchFamily="34" charset="0"/>
+                <a:cs typeface="Arial" panose="020B0604020202020204" pitchFamily="34" charset="0"/>
               </a:rPr>
               <a:t> </a:t>
             </a:r>
@@ -4033,8 +4027,8 @@
                 <a:solidFill>
                   <a:schemeClr val="bg1"/>
                 </a:solidFill>
-                <a:latin typeface="Times New Roman" panose="02020603050405020304" pitchFamily="18" charset="0"/>
-                <a:cs typeface="Times New Roman" panose="02020603050405020304" pitchFamily="18" charset="0"/>
+                <a:latin typeface="Arial" panose="020B0604020202020204" pitchFamily="34" charset="0"/>
+                <a:cs typeface="Arial" panose="020B0604020202020204" pitchFamily="34" charset="0"/>
               </a:rPr>
               <a:t>cơ</a:t>
             </a:r>
@@ -4043,8 +4037,8 @@
                 <a:solidFill>
                   <a:schemeClr val="bg1"/>
                 </a:solidFill>
-                <a:latin typeface="Times New Roman" panose="02020603050405020304" pitchFamily="18" charset="0"/>
-                <a:cs typeface="Times New Roman" panose="02020603050405020304" pitchFamily="18" charset="0"/>
+                <a:latin typeface="Arial" panose="020B0604020202020204" pitchFamily="34" charset="0"/>
+                <a:cs typeface="Arial" panose="020B0604020202020204" pitchFamily="34" charset="0"/>
               </a:rPr>
               <a:t> </a:t>
             </a:r>
@@ -4053,8 +4047,8 @@
                 <a:solidFill>
                   <a:schemeClr val="bg1"/>
                 </a:solidFill>
-                <a:latin typeface="Times New Roman" panose="02020603050405020304" pitchFamily="18" charset="0"/>
-                <a:cs typeface="Times New Roman" panose="02020603050405020304" pitchFamily="18" charset="0"/>
+                <a:latin typeface="Arial" panose="020B0604020202020204" pitchFamily="34" charset="0"/>
+                <a:cs typeface="Arial" panose="020B0604020202020204" pitchFamily="34" charset="0"/>
               </a:rPr>
               <a:t>sở</a:t>
             </a:r>
@@ -4063,8 +4057,8 @@
                 <a:solidFill>
                   <a:schemeClr val="bg1"/>
                 </a:solidFill>
-                <a:latin typeface="Times New Roman" panose="02020603050405020304" pitchFamily="18" charset="0"/>
-                <a:cs typeface="Times New Roman" panose="02020603050405020304" pitchFamily="18" charset="0"/>
+                <a:latin typeface="Arial" panose="020B0604020202020204" pitchFamily="34" charset="0"/>
+                <a:cs typeface="Arial" panose="020B0604020202020204" pitchFamily="34" charset="0"/>
               </a:rPr>
               <a:t> </a:t>
             </a:r>
@@ -4073,8 +4067,8 @@
                 <a:solidFill>
                   <a:schemeClr val="bg1"/>
                 </a:solidFill>
-                <a:latin typeface="Times New Roman" panose="02020603050405020304" pitchFamily="18" charset="0"/>
-                <a:cs typeface="Times New Roman" panose="02020603050405020304" pitchFamily="18" charset="0"/>
+                <a:latin typeface="Arial" panose="020B0604020202020204" pitchFamily="34" charset="0"/>
+                <a:cs typeface="Arial" panose="020B0604020202020204" pitchFamily="34" charset="0"/>
               </a:rPr>
               <a:t>hạ</a:t>
             </a:r>
@@ -4083,8 +4077,8 @@
                 <a:solidFill>
                   <a:schemeClr val="bg1"/>
                 </a:solidFill>
-                <a:latin typeface="Times New Roman" panose="02020603050405020304" pitchFamily="18" charset="0"/>
-                <a:cs typeface="Times New Roman" panose="02020603050405020304" pitchFamily="18" charset="0"/>
+                <a:latin typeface="Arial" panose="020B0604020202020204" pitchFamily="34" charset="0"/>
+                <a:cs typeface="Arial" panose="020B0604020202020204" pitchFamily="34" charset="0"/>
               </a:rPr>
               <a:t> </a:t>
             </a:r>
@@ -4093,8 +4087,8 @@
                 <a:solidFill>
                   <a:schemeClr val="bg1"/>
                 </a:solidFill>
-                <a:latin typeface="Times New Roman" panose="02020603050405020304" pitchFamily="18" charset="0"/>
-                <a:cs typeface="Times New Roman" panose="02020603050405020304" pitchFamily="18" charset="0"/>
+                <a:latin typeface="Arial" panose="020B0604020202020204" pitchFamily="34" charset="0"/>
+                <a:cs typeface="Arial" panose="020B0604020202020204" pitchFamily="34" charset="0"/>
               </a:rPr>
               <a:t>tầng</a:t>
             </a:r>
@@ -4103,8 +4097,8 @@
                 <a:solidFill>
                   <a:schemeClr val="bg1"/>
                 </a:solidFill>
-                <a:latin typeface="Times New Roman" panose="02020603050405020304" pitchFamily="18" charset="0"/>
-                <a:cs typeface="Times New Roman" panose="02020603050405020304" pitchFamily="18" charset="0"/>
+                <a:latin typeface="Arial" panose="020B0604020202020204" pitchFamily="34" charset="0"/>
+                <a:cs typeface="Arial" panose="020B0604020202020204" pitchFamily="34" charset="0"/>
               </a:rPr>
               <a:t> </a:t>
             </a:r>
@@ -4113,8 +4107,8 @@
                 <a:solidFill>
                   <a:schemeClr val="bg1"/>
                 </a:solidFill>
-                <a:latin typeface="Times New Roman" panose="02020603050405020304" pitchFamily="18" charset="0"/>
-                <a:cs typeface="Times New Roman" panose="02020603050405020304" pitchFamily="18" charset="0"/>
+                <a:latin typeface="Arial" panose="020B0604020202020204" pitchFamily="34" charset="0"/>
+                <a:cs typeface="Arial" panose="020B0604020202020204" pitchFamily="34" charset="0"/>
               </a:rPr>
               <a:t>nên</a:t>
             </a:r>
@@ -4123,8 +4117,8 @@
                 <a:solidFill>
                   <a:schemeClr val="bg1"/>
                 </a:solidFill>
-                <a:latin typeface="Times New Roman" panose="02020603050405020304" pitchFamily="18" charset="0"/>
-                <a:cs typeface="Times New Roman" panose="02020603050405020304" pitchFamily="18" charset="0"/>
+                <a:latin typeface="Arial" panose="020B0604020202020204" pitchFamily="34" charset="0"/>
+                <a:cs typeface="Arial" panose="020B0604020202020204" pitchFamily="34" charset="0"/>
               </a:rPr>
               <a:t> </a:t>
             </a:r>
@@ -4133,8 +4127,8 @@
                 <a:solidFill>
                   <a:schemeClr val="bg1"/>
                 </a:solidFill>
-                <a:latin typeface="Times New Roman" panose="02020603050405020304" pitchFamily="18" charset="0"/>
-                <a:cs typeface="Times New Roman" panose="02020603050405020304" pitchFamily="18" charset="0"/>
+                <a:latin typeface="Arial" panose="020B0604020202020204" pitchFamily="34" charset="0"/>
+                <a:cs typeface="Arial" panose="020B0604020202020204" pitchFamily="34" charset="0"/>
               </a:rPr>
               <a:t>chọn</a:t>
             </a:r>
@@ -4143,8 +4137,8 @@
                 <a:solidFill>
                   <a:schemeClr val="bg1"/>
                 </a:solidFill>
-                <a:latin typeface="Times New Roman" panose="02020603050405020304" pitchFamily="18" charset="0"/>
-                <a:cs typeface="Times New Roman" panose="02020603050405020304" pitchFamily="18" charset="0"/>
+                <a:latin typeface="Arial" panose="020B0604020202020204" pitchFamily="34" charset="0"/>
+                <a:cs typeface="Arial" panose="020B0604020202020204" pitchFamily="34" charset="0"/>
               </a:rPr>
               <a:t> ADC </a:t>
             </a:r>
@@ -4153,8 +4147,8 @@
                 <a:solidFill>
                   <a:schemeClr val="bg1"/>
                 </a:solidFill>
-                <a:latin typeface="Times New Roman" panose="02020603050405020304" pitchFamily="18" charset="0"/>
-                <a:cs typeface="Times New Roman" panose="02020603050405020304" pitchFamily="18" charset="0"/>
+                <a:latin typeface="Arial" panose="020B0604020202020204" pitchFamily="34" charset="0"/>
+                <a:cs typeface="Arial" panose="020B0604020202020204" pitchFamily="34" charset="0"/>
               </a:rPr>
               <a:t>hỗ</a:t>
             </a:r>
@@ -4163,8 +4157,8 @@
                 <a:solidFill>
                   <a:schemeClr val="bg1"/>
                 </a:solidFill>
-                <a:latin typeface="Times New Roman" panose="02020603050405020304" pitchFamily="18" charset="0"/>
-                <a:cs typeface="Times New Roman" panose="02020603050405020304" pitchFamily="18" charset="0"/>
+                <a:latin typeface="Arial" panose="020B0604020202020204" pitchFamily="34" charset="0"/>
+                <a:cs typeface="Arial" panose="020B0604020202020204" pitchFamily="34" charset="0"/>
               </a:rPr>
               <a:t> </a:t>
             </a:r>
@@ -4173,8 +4167,8 @@
                 <a:solidFill>
                   <a:schemeClr val="bg1"/>
                 </a:solidFill>
-                <a:latin typeface="Times New Roman" panose="02020603050405020304" pitchFamily="18" charset="0"/>
-                <a:cs typeface="Times New Roman" panose="02020603050405020304" pitchFamily="18" charset="0"/>
+                <a:latin typeface="Arial" panose="020B0604020202020204" pitchFamily="34" charset="0"/>
+                <a:cs typeface="Arial" panose="020B0604020202020204" pitchFamily="34" charset="0"/>
               </a:rPr>
               <a:t>trợ</a:t>
             </a:r>
@@ -4183,8 +4177,8 @@
                 <a:solidFill>
                   <a:schemeClr val="bg1"/>
                 </a:solidFill>
-                <a:latin typeface="Times New Roman" panose="02020603050405020304" pitchFamily="18" charset="0"/>
-                <a:cs typeface="Times New Roman" panose="02020603050405020304" pitchFamily="18" charset="0"/>
+                <a:latin typeface="Arial" panose="020B0604020202020204" pitchFamily="34" charset="0"/>
+                <a:cs typeface="Arial" panose="020B0604020202020204" pitchFamily="34" charset="0"/>
               </a:rPr>
               <a:t> </a:t>
             </a:r>
@@ -4193,8 +4187,8 @@
                 <a:solidFill>
                   <a:schemeClr val="bg1"/>
                 </a:solidFill>
-                <a:latin typeface="Times New Roman" panose="02020603050405020304" pitchFamily="18" charset="0"/>
-                <a:cs typeface="Times New Roman" panose="02020603050405020304" pitchFamily="18" charset="0"/>
+                <a:latin typeface="Arial" panose="020B0604020202020204" pitchFamily="34" charset="0"/>
+                <a:cs typeface="Arial" panose="020B0604020202020204" pitchFamily="34" charset="0"/>
               </a:rPr>
               <a:t>phạm</a:t>
             </a:r>
@@ -4203,8 +4197,8 @@
                 <a:solidFill>
                   <a:schemeClr val="bg1"/>
                 </a:solidFill>
-                <a:latin typeface="Times New Roman" panose="02020603050405020304" pitchFamily="18" charset="0"/>
-                <a:cs typeface="Times New Roman" panose="02020603050405020304" pitchFamily="18" charset="0"/>
+                <a:latin typeface="Arial" panose="020B0604020202020204" pitchFamily="34" charset="0"/>
+                <a:cs typeface="Arial" panose="020B0604020202020204" pitchFamily="34" charset="0"/>
               </a:rPr>
               <a:t> vi </a:t>
             </a:r>
@@ -4213,8 +4207,8 @@
                 <a:solidFill>
                   <a:schemeClr val="bg1"/>
                 </a:solidFill>
-                <a:latin typeface="Times New Roman" panose="02020603050405020304" pitchFamily="18" charset="0"/>
-                <a:cs typeface="Times New Roman" panose="02020603050405020304" pitchFamily="18" charset="0"/>
+                <a:latin typeface="Arial" panose="020B0604020202020204" pitchFamily="34" charset="0"/>
+                <a:cs typeface="Arial" panose="020B0604020202020204" pitchFamily="34" charset="0"/>
               </a:rPr>
               <a:t>rộng</a:t>
             </a:r>
@@ -4223,8 +4217,8 @@
                 <a:solidFill>
                   <a:schemeClr val="bg1"/>
                 </a:solidFill>
-                <a:latin typeface="Times New Roman" panose="02020603050405020304" pitchFamily="18" charset="0"/>
-                <a:cs typeface="Times New Roman" panose="02020603050405020304" pitchFamily="18" charset="0"/>
+                <a:latin typeface="Arial" panose="020B0604020202020204" pitchFamily="34" charset="0"/>
+                <a:cs typeface="Arial" panose="020B0604020202020204" pitchFamily="34" charset="0"/>
               </a:rPr>
               <a:t> </a:t>
             </a:r>
@@ -4233,8 +4227,8 @@
                 <a:solidFill>
                   <a:schemeClr val="bg1"/>
                 </a:solidFill>
-                <a:latin typeface="Times New Roman" panose="02020603050405020304" pitchFamily="18" charset="0"/>
-                <a:cs typeface="Times New Roman" panose="02020603050405020304" pitchFamily="18" charset="0"/>
+                <a:latin typeface="Arial" panose="020B0604020202020204" pitchFamily="34" charset="0"/>
+                <a:cs typeface="Arial" panose="020B0604020202020204" pitchFamily="34" charset="0"/>
               </a:rPr>
               <a:t>nhất</a:t>
             </a:r>
@@ -4243,8 +4237,8 @@
                 <a:solidFill>
                   <a:schemeClr val="bg1"/>
                 </a:solidFill>
-                <a:latin typeface="Times New Roman" panose="02020603050405020304" pitchFamily="18" charset="0"/>
-                <a:cs typeface="Times New Roman" panose="02020603050405020304" pitchFamily="18" charset="0"/>
+                <a:latin typeface="Arial" panose="020B0604020202020204" pitchFamily="34" charset="0"/>
+                <a:cs typeface="Arial" panose="020B0604020202020204" pitchFamily="34" charset="0"/>
               </a:rPr>
               <a:t>, </a:t>
             </a:r>
@@ -4253,8 +4247,8 @@
                 <a:solidFill>
                   <a:schemeClr val="bg1"/>
                 </a:solidFill>
-                <a:latin typeface="Times New Roman" panose="02020603050405020304" pitchFamily="18" charset="0"/>
-                <a:cs typeface="Times New Roman" panose="02020603050405020304" pitchFamily="18" charset="0"/>
+                <a:latin typeface="Arial" panose="020B0604020202020204" pitchFamily="34" charset="0"/>
+                <a:cs typeface="Arial" panose="020B0604020202020204" pitchFamily="34" charset="0"/>
               </a:rPr>
               <a:t>thuê</a:t>
             </a:r>
@@ -4263,8 +4257,8 @@
                 <a:solidFill>
                   <a:schemeClr val="bg1"/>
                 </a:solidFill>
-                <a:latin typeface="Times New Roman" panose="02020603050405020304" pitchFamily="18" charset="0"/>
-                <a:cs typeface="Times New Roman" panose="02020603050405020304" pitchFamily="18" charset="0"/>
+                <a:latin typeface="Arial" panose="020B0604020202020204" pitchFamily="34" charset="0"/>
+                <a:cs typeface="Arial" panose="020B0604020202020204" pitchFamily="34" charset="0"/>
               </a:rPr>
               <a:t> </a:t>
             </a:r>
@@ -4273,8 +4267,8 @@
                 <a:solidFill>
                   <a:schemeClr val="bg1"/>
                 </a:solidFill>
-                <a:latin typeface="Times New Roman" panose="02020603050405020304" pitchFamily="18" charset="0"/>
-                <a:cs typeface="Times New Roman" panose="02020603050405020304" pitchFamily="18" charset="0"/>
+                <a:latin typeface="Arial" panose="020B0604020202020204" pitchFamily="34" charset="0"/>
+                <a:cs typeface="Arial" panose="020B0604020202020204" pitchFamily="34" charset="0"/>
               </a:rPr>
               <a:t>nhiều</a:t>
             </a:r>
@@ -4283,8 +4277,8 @@
                 <a:solidFill>
                   <a:schemeClr val="bg1"/>
                 </a:solidFill>
-                <a:latin typeface="Times New Roman" panose="02020603050405020304" pitchFamily="18" charset="0"/>
-                <a:cs typeface="Times New Roman" panose="02020603050405020304" pitchFamily="18" charset="0"/>
+                <a:latin typeface="Arial" panose="020B0604020202020204" pitchFamily="34" charset="0"/>
+                <a:cs typeface="Arial" panose="020B0604020202020204" pitchFamily="34" charset="0"/>
               </a:rPr>
               <a:t> </a:t>
             </a:r>
@@ -4293,8 +4287,8 @@
                 <a:solidFill>
                   <a:schemeClr val="bg1"/>
                 </a:solidFill>
-                <a:latin typeface="Times New Roman" panose="02020603050405020304" pitchFamily="18" charset="0"/>
-                <a:cs typeface="Times New Roman" panose="02020603050405020304" pitchFamily="18" charset="0"/>
+                <a:latin typeface="Arial" panose="020B0604020202020204" pitchFamily="34" charset="0"/>
+                <a:cs typeface="Arial" panose="020B0604020202020204" pitchFamily="34" charset="0"/>
               </a:rPr>
               <a:t>người</a:t>
             </a:r>
@@ -4303,8 +4297,8 @@
                 <a:solidFill>
                   <a:schemeClr val="bg1"/>
                 </a:solidFill>
-                <a:latin typeface="Times New Roman" panose="02020603050405020304" pitchFamily="18" charset="0"/>
-                <a:cs typeface="Times New Roman" panose="02020603050405020304" pitchFamily="18" charset="0"/>
+                <a:latin typeface="Arial" panose="020B0604020202020204" pitchFamily="34" charset="0"/>
+                <a:cs typeface="Arial" panose="020B0604020202020204" pitchFamily="34" charset="0"/>
               </a:rPr>
               <a:t> </a:t>
             </a:r>
@@ -4313,8 +4307,8 @@
                 <a:solidFill>
                   <a:schemeClr val="bg1"/>
                 </a:solidFill>
-                <a:latin typeface="Times New Roman" panose="02020603050405020304" pitchFamily="18" charset="0"/>
-                <a:cs typeface="Times New Roman" panose="02020603050405020304" pitchFamily="18" charset="0"/>
+                <a:latin typeface="Arial" panose="020B0604020202020204" pitchFamily="34" charset="0"/>
+                <a:cs typeface="Arial" panose="020B0604020202020204" pitchFamily="34" charset="0"/>
               </a:rPr>
               <a:t>và</a:t>
             </a:r>
@@ -4323,8 +4317,8 @@
                 <a:solidFill>
                   <a:schemeClr val="bg1"/>
                 </a:solidFill>
-                <a:latin typeface="Times New Roman" panose="02020603050405020304" pitchFamily="18" charset="0"/>
-                <a:cs typeface="Times New Roman" panose="02020603050405020304" pitchFamily="18" charset="0"/>
+                <a:latin typeface="Arial" panose="020B0604020202020204" pitchFamily="34" charset="0"/>
+                <a:cs typeface="Arial" panose="020B0604020202020204" pitchFamily="34" charset="0"/>
               </a:rPr>
               <a:t> </a:t>
             </a:r>
@@ -4333,8 +4327,8 @@
                 <a:solidFill>
                   <a:schemeClr val="bg1"/>
                 </a:solidFill>
-                <a:latin typeface="Times New Roman" panose="02020603050405020304" pitchFamily="18" charset="0"/>
-                <a:cs typeface="Times New Roman" panose="02020603050405020304" pitchFamily="18" charset="0"/>
+                <a:latin typeface="Arial" panose="020B0604020202020204" pitchFamily="34" charset="0"/>
+                <a:cs typeface="Arial" panose="020B0604020202020204" pitchFamily="34" charset="0"/>
               </a:rPr>
               <a:t>nhiều</a:t>
             </a:r>
@@ -4343,8 +4337,8 @@
                 <a:solidFill>
                   <a:schemeClr val="bg1"/>
                 </a:solidFill>
-                <a:latin typeface="Times New Roman" panose="02020603050405020304" pitchFamily="18" charset="0"/>
-                <a:cs typeface="Times New Roman" panose="02020603050405020304" pitchFamily="18" charset="0"/>
+                <a:latin typeface="Arial" panose="020B0604020202020204" pitchFamily="34" charset="0"/>
+                <a:cs typeface="Arial" panose="020B0604020202020204" pitchFamily="34" charset="0"/>
               </a:rPr>
               <a:t> </a:t>
             </a:r>
@@ -4353,8 +4347,8 @@
                 <a:solidFill>
                   <a:schemeClr val="bg1"/>
                 </a:solidFill>
-                <a:latin typeface="Times New Roman" panose="02020603050405020304" pitchFamily="18" charset="0"/>
-                <a:cs typeface="Times New Roman" panose="02020603050405020304" pitchFamily="18" charset="0"/>
+                <a:latin typeface="Arial" panose="020B0604020202020204" pitchFamily="34" charset="0"/>
+                <a:cs typeface="Arial" panose="020B0604020202020204" pitchFamily="34" charset="0"/>
               </a:rPr>
               <a:t>thiết</a:t>
             </a:r>
@@ -4363,8 +4357,8 @@
                 <a:solidFill>
                   <a:schemeClr val="bg1"/>
                 </a:solidFill>
-                <a:latin typeface="Times New Roman" panose="02020603050405020304" pitchFamily="18" charset="0"/>
-                <a:cs typeface="Times New Roman" panose="02020603050405020304" pitchFamily="18" charset="0"/>
+                <a:latin typeface="Arial" panose="020B0604020202020204" pitchFamily="34" charset="0"/>
+                <a:cs typeface="Arial" panose="020B0604020202020204" pitchFamily="34" charset="0"/>
               </a:rPr>
               <a:t> </a:t>
             </a:r>
@@ -4373,8 +4367,8 @@
                 <a:solidFill>
                   <a:schemeClr val="bg1"/>
                 </a:solidFill>
-                <a:latin typeface="Times New Roman" panose="02020603050405020304" pitchFamily="18" charset="0"/>
-                <a:cs typeface="Times New Roman" panose="02020603050405020304" pitchFamily="18" charset="0"/>
+                <a:latin typeface="Arial" panose="020B0604020202020204" pitchFamily="34" charset="0"/>
+                <a:cs typeface="Arial" panose="020B0604020202020204" pitchFamily="34" charset="0"/>
               </a:rPr>
               <a:t>bị</a:t>
             </a:r>
@@ -4383,8 +4377,8 @@
                 <a:solidFill>
                   <a:schemeClr val="bg1"/>
                 </a:solidFill>
-                <a:latin typeface="Times New Roman" panose="02020603050405020304" pitchFamily="18" charset="0"/>
-                <a:cs typeface="Times New Roman" panose="02020603050405020304" pitchFamily="18" charset="0"/>
+                <a:latin typeface="Arial" panose="020B0604020202020204" pitchFamily="34" charset="0"/>
+                <a:cs typeface="Arial" panose="020B0604020202020204" pitchFamily="34" charset="0"/>
               </a:rPr>
               <a:t> </a:t>
             </a:r>
@@ -4393,8 +4387,8 @@
                 <a:solidFill>
                   <a:schemeClr val="bg1"/>
                 </a:solidFill>
-                <a:latin typeface="Times New Roman" panose="02020603050405020304" pitchFamily="18" charset="0"/>
-                <a:cs typeface="Times New Roman" panose="02020603050405020304" pitchFamily="18" charset="0"/>
+                <a:latin typeface="Arial" panose="020B0604020202020204" pitchFamily="34" charset="0"/>
+                <a:cs typeface="Arial" panose="020B0604020202020204" pitchFamily="34" charset="0"/>
               </a:rPr>
               <a:t>ảo</a:t>
             </a:r>
@@ -4403,8 +4397,8 @@
                 <a:solidFill>
                   <a:schemeClr val="bg1"/>
                 </a:solidFill>
-                <a:latin typeface="Times New Roman" panose="02020603050405020304" pitchFamily="18" charset="0"/>
-                <a:cs typeface="Times New Roman" panose="02020603050405020304" pitchFamily="18" charset="0"/>
+                <a:latin typeface="Arial" panose="020B0604020202020204" pitchFamily="34" charset="0"/>
+                <a:cs typeface="Arial" panose="020B0604020202020204" pitchFamily="34" charset="0"/>
               </a:rPr>
               <a:t> </a:t>
             </a:r>
@@ -4473,8 +4467,8 @@
                 <a:solidFill>
                   <a:schemeClr val="bg1"/>
                 </a:solidFill>
-                <a:latin typeface="Times New Roman" panose="02020603050405020304" pitchFamily="18" charset="0"/>
-                <a:cs typeface="Times New Roman" panose="02020603050405020304" pitchFamily="18" charset="0"/>
+                <a:latin typeface="Arial" panose="020B0604020202020204" pitchFamily="34" charset="0"/>
+                <a:cs typeface="Arial" panose="020B0604020202020204" pitchFamily="34" charset="0"/>
               </a:rPr>
               <a:t>Đơn</a:t>
             </a:r>
@@ -4483,8 +4477,8 @@
                 <a:solidFill>
                   <a:schemeClr val="bg1"/>
                 </a:solidFill>
-                <a:latin typeface="Times New Roman" panose="02020603050405020304" pitchFamily="18" charset="0"/>
-                <a:cs typeface="Times New Roman" panose="02020603050405020304" pitchFamily="18" charset="0"/>
+                <a:latin typeface="Arial" panose="020B0604020202020204" pitchFamily="34" charset="0"/>
+                <a:cs typeface="Arial" panose="020B0604020202020204" pitchFamily="34" charset="0"/>
               </a:rPr>
               <a:t> </a:t>
             </a:r>
@@ -4493,8 +4487,8 @@
                 <a:solidFill>
                   <a:schemeClr val="bg1"/>
                 </a:solidFill>
-                <a:latin typeface="Times New Roman" panose="02020603050405020304" pitchFamily="18" charset="0"/>
-                <a:cs typeface="Times New Roman" panose="02020603050405020304" pitchFamily="18" charset="0"/>
+                <a:latin typeface="Arial" panose="020B0604020202020204" pitchFamily="34" charset="0"/>
+                <a:cs typeface="Arial" panose="020B0604020202020204" pitchFamily="34" charset="0"/>
               </a:rPr>
               <a:t>giản</a:t>
             </a:r>
@@ -4502,8 +4496,8 @@
               <a:solidFill>
                 <a:schemeClr val="bg1"/>
               </a:solidFill>
-              <a:latin typeface="Times New Roman" panose="02020603050405020304" pitchFamily="18" charset="0"/>
-              <a:cs typeface="Times New Roman" panose="02020603050405020304" pitchFamily="18" charset="0"/>
+              <a:latin typeface="Arial" panose="020B0604020202020204" pitchFamily="34" charset="0"/>
+              <a:cs typeface="Arial" panose="020B0604020202020204" pitchFamily="34" charset="0"/>
             </a:endParaRPr>
           </a:p>
         </p:txBody>
@@ -4539,7 +4533,6 @@
                 <a:solidFill>
                   <a:schemeClr val="bg1"/>
                 </a:solidFill>
-                <a:latin typeface="+mj-lt"/>
               </a:rPr>
               <a:t>Bằng cách chọn một ADC với một thư viện mạnh mẽ của Layer-7 lệnh và khả năng sâu sắc, các nhà cung cấp SaaS có thể đạt được những lợi thế quan trọng sau đây</a:t>
             </a:r>
@@ -4548,7 +4541,6 @@
                 <a:solidFill>
                   <a:schemeClr val="bg1"/>
                 </a:solidFill>
-                <a:latin typeface="+mj-lt"/>
               </a:rPr>
               <a:t>:</a:t>
             </a:r>
@@ -4556,7 +4548,6 @@
               <a:solidFill>
                 <a:schemeClr val="bg1"/>
               </a:solidFill>
-              <a:latin typeface="+mj-lt"/>
             </a:endParaRPr>
           </a:p>
           <a:p>
@@ -4569,7 +4560,6 @@
                 <a:solidFill>
                   <a:schemeClr val="bg1"/>
                 </a:solidFill>
-                <a:latin typeface="Times New Roman" panose="02020603050405020304" pitchFamily="18" charset="0"/>
                 <a:cs typeface="Times New Roman" panose="02020603050405020304" pitchFamily="18" charset="0"/>
               </a:rPr>
               <a:t>T</a:t>
@@ -4579,7 +4569,6 @@
                 <a:solidFill>
                   <a:schemeClr val="bg1"/>
                 </a:solidFill>
-                <a:latin typeface="Times New Roman" panose="02020603050405020304" pitchFamily="18" charset="0"/>
                 <a:cs typeface="Times New Roman" panose="02020603050405020304" pitchFamily="18" charset="0"/>
               </a:rPr>
               <a:t>ốc độ </a:t>
@@ -4588,7 +4577,6 @@
               <a:solidFill>
                 <a:schemeClr val="bg1"/>
               </a:solidFill>
-              <a:latin typeface="Times New Roman" panose="02020603050405020304" pitchFamily="18" charset="0"/>
               <a:cs typeface="Times New Roman" panose="02020603050405020304" pitchFamily="18" charset="0"/>
             </a:endParaRPr>
           </a:p>
@@ -4602,7 +4590,6 @@
                 <a:solidFill>
                   <a:schemeClr val="bg1"/>
                 </a:solidFill>
-                <a:latin typeface="Times New Roman" panose="02020603050405020304" pitchFamily="18" charset="0"/>
                 <a:cs typeface="Times New Roman" panose="02020603050405020304" pitchFamily="18" charset="0"/>
               </a:rPr>
               <a:t>Đ</a:t>
@@ -4612,7 +4599,6 @@
                 <a:solidFill>
                   <a:schemeClr val="bg1"/>
                 </a:solidFill>
-                <a:latin typeface="Times New Roman" panose="02020603050405020304" pitchFamily="18" charset="0"/>
                 <a:cs typeface="Times New Roman" panose="02020603050405020304" pitchFamily="18" charset="0"/>
               </a:rPr>
               <a:t>ộ </a:t>
@@ -4622,7 +4608,6 @@
                 <a:solidFill>
                   <a:schemeClr val="bg1"/>
                 </a:solidFill>
-                <a:latin typeface="Times New Roman" panose="02020603050405020304" pitchFamily="18" charset="0"/>
                 <a:cs typeface="Times New Roman" panose="02020603050405020304" pitchFamily="18" charset="0"/>
               </a:rPr>
               <a:t>chính </a:t>
@@ -4632,7 +4617,6 @@
                 <a:solidFill>
                   <a:schemeClr val="bg1"/>
                 </a:solidFill>
-                <a:latin typeface="Times New Roman" panose="02020603050405020304" pitchFamily="18" charset="0"/>
                 <a:cs typeface="Times New Roman" panose="02020603050405020304" pitchFamily="18" charset="0"/>
               </a:rPr>
               <a:t>xác</a:t>
@@ -4641,7 +4625,6 @@
               <a:solidFill>
                 <a:schemeClr val="bg1"/>
               </a:solidFill>
-              <a:latin typeface="Times New Roman" panose="02020603050405020304" pitchFamily="18" charset="0"/>
               <a:cs typeface="Times New Roman" panose="02020603050405020304" pitchFamily="18" charset="0"/>
             </a:endParaRPr>
           </a:p>
@@ -4655,7 +4638,6 @@
                 <a:solidFill>
                   <a:schemeClr val="bg1"/>
                 </a:solidFill>
-                <a:latin typeface="Times New Roman" panose="02020603050405020304" pitchFamily="18" charset="0"/>
                 <a:cs typeface="Times New Roman" panose="02020603050405020304" pitchFamily="18" charset="0"/>
               </a:rPr>
               <a:t>C</a:t>
@@ -4665,7 +4647,6 @@
                 <a:solidFill>
                   <a:schemeClr val="bg1"/>
                 </a:solidFill>
-                <a:latin typeface="Times New Roman" panose="02020603050405020304" pitchFamily="18" charset="0"/>
                 <a:cs typeface="Times New Roman" panose="02020603050405020304" pitchFamily="18" charset="0"/>
               </a:rPr>
               <a:t>hia </a:t>
@@ -4675,7 +4656,6 @@
                 <a:solidFill>
                   <a:schemeClr val="bg1"/>
                 </a:solidFill>
-                <a:latin typeface="Times New Roman" panose="02020603050405020304" pitchFamily="18" charset="0"/>
                 <a:cs typeface="Times New Roman" panose="02020603050405020304" pitchFamily="18" charset="0"/>
               </a:rPr>
               <a:t>sẻ kiến </a:t>
@@ -4685,7 +4665,6 @@
                 <a:solidFill>
                   <a:schemeClr val="bg1"/>
                 </a:solidFill>
-                <a:latin typeface="Times New Roman" panose="02020603050405020304" pitchFamily="18" charset="0"/>
                 <a:cs typeface="Times New Roman" panose="02020603050405020304" pitchFamily="18" charset="0"/>
               </a:rPr>
               <a:t>thức </a:t>
@@ -4694,7 +4673,6 @@
               <a:solidFill>
                 <a:schemeClr val="bg1"/>
               </a:solidFill>
-              <a:latin typeface="Times New Roman" panose="02020603050405020304" pitchFamily="18" charset="0"/>
               <a:cs typeface="Times New Roman" panose="02020603050405020304" pitchFamily="18" charset="0"/>
             </a:endParaRPr>
           </a:p>
@@ -4708,7 +4686,6 @@
                 <a:solidFill>
                   <a:schemeClr val="bg1"/>
                 </a:solidFill>
-                <a:latin typeface="Times New Roman" panose="02020603050405020304" pitchFamily="18" charset="0"/>
                 <a:cs typeface="Times New Roman" panose="02020603050405020304" pitchFamily="18" charset="0"/>
               </a:rPr>
               <a:t>H</a:t>
@@ -4718,7 +4695,6 @@
                 <a:solidFill>
                   <a:schemeClr val="bg1"/>
                 </a:solidFill>
-                <a:latin typeface="Times New Roman" panose="02020603050405020304" pitchFamily="18" charset="0"/>
                 <a:cs typeface="Times New Roman" panose="02020603050405020304" pitchFamily="18" charset="0"/>
               </a:rPr>
               <a:t>iệu suất </a:t>
@@ -4727,7 +4703,6 @@
               <a:solidFill>
                 <a:schemeClr val="bg1"/>
               </a:solidFill>
-              <a:latin typeface="Times New Roman" panose="02020603050405020304" pitchFamily="18" charset="0"/>
               <a:cs typeface="Times New Roman" panose="02020603050405020304" pitchFamily="18" charset="0"/>
             </a:endParaRPr>
           </a:p>
@@ -4741,7 +4716,6 @@
                 <a:solidFill>
                   <a:schemeClr val="bg1"/>
                 </a:solidFill>
-                <a:latin typeface="Times New Roman" panose="02020603050405020304" pitchFamily="18" charset="0"/>
                 <a:cs typeface="Times New Roman" panose="02020603050405020304" pitchFamily="18" charset="0"/>
               </a:rPr>
               <a:t>T</a:t>
@@ -4751,7 +4725,6 @@
                 <a:solidFill>
                   <a:schemeClr val="bg1"/>
                 </a:solidFill>
-                <a:latin typeface="Times New Roman" panose="02020603050405020304" pitchFamily="18" charset="0"/>
                 <a:cs typeface="Times New Roman" panose="02020603050405020304" pitchFamily="18" charset="0"/>
               </a:rPr>
               <a:t>ự </a:t>
@@ -4761,7 +4734,6 @@
                 <a:solidFill>
                   <a:schemeClr val="bg1"/>
                 </a:solidFill>
-                <a:latin typeface="Times New Roman" panose="02020603050405020304" pitchFamily="18" charset="0"/>
                 <a:cs typeface="Times New Roman" panose="02020603050405020304" pitchFamily="18" charset="0"/>
               </a:rPr>
               <a:t>động hóa.</a:t>
@@ -4770,7 +4742,6 @@
               <a:solidFill>
                 <a:schemeClr val="bg1"/>
               </a:solidFill>
-              <a:latin typeface="Times New Roman" panose="02020603050405020304" pitchFamily="18" charset="0"/>
               <a:cs typeface="Times New Roman" panose="02020603050405020304" pitchFamily="18" charset="0"/>
             </a:endParaRPr>
           </a:p>
@@ -4783,7 +4754,6 @@
               <a:solidFill>
                 <a:schemeClr val="bg1"/>
               </a:solidFill>
-              <a:latin typeface="+mj-lt"/>
             </a:endParaRPr>
           </a:p>
         </p:txBody>
@@ -4850,8 +4820,8 @@
                 <a:solidFill>
                   <a:schemeClr val="bg1"/>
                 </a:solidFill>
-                <a:latin typeface="Times New Roman" panose="02020603050405020304" pitchFamily="18" charset="0"/>
-                <a:cs typeface="Times New Roman" panose="02020603050405020304" pitchFamily="18" charset="0"/>
+                <a:latin typeface="Arial" panose="020B0604020202020204" pitchFamily="34" charset="0"/>
+                <a:cs typeface="Arial" panose="020B0604020202020204" pitchFamily="34" charset="0"/>
               </a:rPr>
               <a:t>Quản</a:t>
             </a:r>
@@ -4860,8 +4830,8 @@
                 <a:solidFill>
                   <a:schemeClr val="bg1"/>
                 </a:solidFill>
-                <a:latin typeface="Times New Roman" panose="02020603050405020304" pitchFamily="18" charset="0"/>
-                <a:cs typeface="Times New Roman" panose="02020603050405020304" pitchFamily="18" charset="0"/>
+                <a:latin typeface="Arial" panose="020B0604020202020204" pitchFamily="34" charset="0"/>
+                <a:cs typeface="Arial" panose="020B0604020202020204" pitchFamily="34" charset="0"/>
               </a:rPr>
               <a:t> </a:t>
             </a:r>
@@ -4870,8 +4840,8 @@
                 <a:solidFill>
                   <a:schemeClr val="bg1"/>
                 </a:solidFill>
-                <a:latin typeface="Times New Roman" panose="02020603050405020304" pitchFamily="18" charset="0"/>
-                <a:cs typeface="Times New Roman" panose="02020603050405020304" pitchFamily="18" charset="0"/>
+                <a:latin typeface="Arial" panose="020B0604020202020204" pitchFamily="34" charset="0"/>
+                <a:cs typeface="Arial" panose="020B0604020202020204" pitchFamily="34" charset="0"/>
               </a:rPr>
               <a:t>lý</a:t>
             </a:r>
@@ -4879,8 +4849,8 @@
               <a:solidFill>
                 <a:schemeClr val="bg1"/>
               </a:solidFill>
-              <a:latin typeface="Times New Roman" panose="02020603050405020304" pitchFamily="18" charset="0"/>
-              <a:cs typeface="Times New Roman" panose="02020603050405020304" pitchFamily="18" charset="0"/>
+              <a:latin typeface="Arial" panose="020B0604020202020204" pitchFamily="34" charset="0"/>
+              <a:cs typeface="Arial" panose="020B0604020202020204" pitchFamily="34" charset="0"/>
             </a:endParaRPr>
           </a:p>
         </p:txBody>
@@ -4914,8 +4884,8 @@
                 <a:solidFill>
                   <a:schemeClr val="bg1"/>
                 </a:solidFill>
-                <a:latin typeface="Times New Roman" panose="02020603050405020304" pitchFamily="18" charset="0"/>
-                <a:cs typeface="Times New Roman" panose="02020603050405020304" pitchFamily="18" charset="0"/>
+                <a:latin typeface="Arial" panose="020B0604020202020204" pitchFamily="34" charset="0"/>
+                <a:cs typeface="Arial" panose="020B0604020202020204" pitchFamily="34" charset="0"/>
               </a:rPr>
               <a:t>Đ</a:t>
             </a:r>
@@ -4924,8 +4894,8 @@
                 <a:solidFill>
                   <a:schemeClr val="bg1"/>
                 </a:solidFill>
-                <a:latin typeface="Times New Roman" panose="02020603050405020304" pitchFamily="18" charset="0"/>
-                <a:cs typeface="Times New Roman" panose="02020603050405020304" pitchFamily="18" charset="0"/>
+                <a:latin typeface="Arial" panose="020B0604020202020204" pitchFamily="34" charset="0"/>
+                <a:cs typeface="Arial" panose="020B0604020202020204" pitchFamily="34" charset="0"/>
               </a:rPr>
               <a:t>iện </a:t>
             </a:r>
@@ -4934,8 +4904,8 @@
                 <a:solidFill>
                   <a:schemeClr val="bg1"/>
                 </a:solidFill>
-                <a:latin typeface="Times New Roman" panose="02020603050405020304" pitchFamily="18" charset="0"/>
-                <a:cs typeface="Times New Roman" panose="02020603050405020304" pitchFamily="18" charset="0"/>
+                <a:latin typeface="Arial" panose="020B0604020202020204" pitchFamily="34" charset="0"/>
+                <a:cs typeface="Arial" panose="020B0604020202020204" pitchFamily="34" charset="0"/>
               </a:rPr>
               <a:t>toán đám mây đòi hỏi DevOps và các đội cơ sở hạ tầng để quản lý hàng ngàn máy chủ và các yếu tố mạng khác nhau cùng một </a:t>
             </a:r>
@@ -4944,8 +4914,8 @@
                 <a:solidFill>
                   <a:schemeClr val="bg1"/>
                 </a:solidFill>
-                <a:latin typeface="Times New Roman" panose="02020603050405020304" pitchFamily="18" charset="0"/>
-                <a:cs typeface="Times New Roman" panose="02020603050405020304" pitchFamily="18" charset="0"/>
+                <a:latin typeface="Arial" panose="020B0604020202020204" pitchFamily="34" charset="0"/>
+                <a:cs typeface="Arial" panose="020B0604020202020204" pitchFamily="34" charset="0"/>
               </a:rPr>
               <a:t>lúc</a:t>
             </a:r>
@@ -4953,8 +4923,8 @@
               <a:solidFill>
                 <a:schemeClr val="bg1"/>
               </a:solidFill>
-              <a:latin typeface="Times New Roman" panose="02020603050405020304" pitchFamily="18" charset="0"/>
-              <a:cs typeface="Times New Roman" panose="02020603050405020304" pitchFamily="18" charset="0"/>
+              <a:latin typeface="Arial" panose="020B0604020202020204" pitchFamily="34" charset="0"/>
+              <a:cs typeface="Arial" panose="020B0604020202020204" pitchFamily="34" charset="0"/>
             </a:endParaRPr>
           </a:p>
           <a:p>
@@ -4967,8 +4937,8 @@
                 <a:solidFill>
                   <a:schemeClr val="bg1"/>
                 </a:solidFill>
-                <a:latin typeface="Times New Roman" panose="02020603050405020304" pitchFamily="18" charset="0"/>
-                <a:cs typeface="Times New Roman" panose="02020603050405020304" pitchFamily="18" charset="0"/>
+                <a:latin typeface="Arial" panose="020B0604020202020204" pitchFamily="34" charset="0"/>
+                <a:cs typeface="Arial" panose="020B0604020202020204" pitchFamily="34" charset="0"/>
               </a:rPr>
               <a:t>Tích hợp phổ biến để tìm kiếm bao gồm: </a:t>
             </a:r>
@@ -4976,8 +4946,8 @@
               <a:solidFill>
                 <a:schemeClr val="bg1"/>
               </a:solidFill>
-              <a:latin typeface="Times New Roman" panose="02020603050405020304" pitchFamily="18" charset="0"/>
-              <a:cs typeface="Times New Roman" panose="02020603050405020304" pitchFamily="18" charset="0"/>
+              <a:latin typeface="Arial" panose="020B0604020202020204" pitchFamily="34" charset="0"/>
+              <a:cs typeface="Arial" panose="020B0604020202020204" pitchFamily="34" charset="0"/>
             </a:endParaRPr>
           </a:p>
           <a:p>
@@ -4990,8 +4960,8 @@
                 <a:solidFill>
                   <a:schemeClr val="bg1"/>
                 </a:solidFill>
-                <a:latin typeface="Times New Roman" panose="02020603050405020304" pitchFamily="18" charset="0"/>
-                <a:cs typeface="Times New Roman" panose="02020603050405020304" pitchFamily="18" charset="0"/>
+                <a:latin typeface="Arial" panose="020B0604020202020204" pitchFamily="34" charset="0"/>
+                <a:cs typeface="Arial" panose="020B0604020202020204" pitchFamily="34" charset="0"/>
               </a:rPr>
               <a:t>XML-RPC </a:t>
             </a:r>
@@ -5000,8 +4970,8 @@
                 <a:solidFill>
                   <a:schemeClr val="bg1"/>
                 </a:solidFill>
-                <a:latin typeface="Times New Roman" panose="02020603050405020304" pitchFamily="18" charset="0"/>
-                <a:cs typeface="Times New Roman" panose="02020603050405020304" pitchFamily="18" charset="0"/>
+                <a:latin typeface="Arial" panose="020B0604020202020204" pitchFamily="34" charset="0"/>
+                <a:cs typeface="Arial" panose="020B0604020202020204" pitchFamily="34" charset="0"/>
               </a:rPr>
               <a:t>và các API khác có khả năng tích hợp với các hệ thống quản lý điện toán đám mây độc </a:t>
             </a:r>
@@ -5010,8 +4980,8 @@
                 <a:solidFill>
                   <a:schemeClr val="bg1"/>
                 </a:solidFill>
-                <a:latin typeface="Times New Roman" panose="02020603050405020304" pitchFamily="18" charset="0"/>
-                <a:cs typeface="Times New Roman" panose="02020603050405020304" pitchFamily="18" charset="0"/>
+                <a:latin typeface="Arial" panose="020B0604020202020204" pitchFamily="34" charset="0"/>
+                <a:cs typeface="Arial" panose="020B0604020202020204" pitchFamily="34" charset="0"/>
               </a:rPr>
               <a:t>quyền</a:t>
             </a:r>
@@ -5020,8 +4990,8 @@
                 <a:solidFill>
                   <a:schemeClr val="bg1"/>
                 </a:solidFill>
-                <a:latin typeface="Times New Roman" panose="02020603050405020304" pitchFamily="18" charset="0"/>
-                <a:cs typeface="Times New Roman" panose="02020603050405020304" pitchFamily="18" charset="0"/>
+                <a:latin typeface="Arial" panose="020B0604020202020204" pitchFamily="34" charset="0"/>
+                <a:cs typeface="Arial" panose="020B0604020202020204" pitchFamily="34" charset="0"/>
               </a:rPr>
               <a:t> </a:t>
             </a:r>
@@ -5036,8 +5006,8 @@
                 <a:solidFill>
                   <a:schemeClr val="bg1"/>
                 </a:solidFill>
-                <a:latin typeface="Times New Roman" panose="02020603050405020304" pitchFamily="18" charset="0"/>
-                <a:cs typeface="Times New Roman" panose="02020603050405020304" pitchFamily="18" charset="0"/>
+                <a:latin typeface="Arial" panose="020B0604020202020204" pitchFamily="34" charset="0"/>
+                <a:cs typeface="Arial" panose="020B0604020202020204" pitchFamily="34" charset="0"/>
               </a:rPr>
               <a:t>T</a:t>
             </a:r>
@@ -5046,8 +5016,8 @@
                 <a:solidFill>
                   <a:schemeClr val="bg1"/>
                 </a:solidFill>
-                <a:latin typeface="Times New Roman" panose="02020603050405020304" pitchFamily="18" charset="0"/>
-                <a:cs typeface="Times New Roman" panose="02020603050405020304" pitchFamily="18" charset="0"/>
+                <a:latin typeface="Arial" panose="020B0604020202020204" pitchFamily="34" charset="0"/>
+                <a:cs typeface="Arial" panose="020B0604020202020204" pitchFamily="34" charset="0"/>
               </a:rPr>
               <a:t>ích </a:t>
             </a:r>
@@ -5056,8 +5026,8 @@
                 <a:solidFill>
                   <a:schemeClr val="bg1"/>
                 </a:solidFill>
-                <a:latin typeface="Times New Roman" panose="02020603050405020304" pitchFamily="18" charset="0"/>
-                <a:cs typeface="Times New Roman" panose="02020603050405020304" pitchFamily="18" charset="0"/>
+                <a:latin typeface="Arial" panose="020B0604020202020204" pitchFamily="34" charset="0"/>
+                <a:cs typeface="Arial" panose="020B0604020202020204" pitchFamily="34" charset="0"/>
               </a:rPr>
               <a:t>hợp với cân bằng tải-as-a-Service (LBaaS</a:t>
             </a:r>
@@ -5066,8 +5036,8 @@
                 <a:solidFill>
                   <a:schemeClr val="bg1"/>
                 </a:solidFill>
-                <a:latin typeface="Times New Roman" panose="02020603050405020304" pitchFamily="18" charset="0"/>
-                <a:cs typeface="Times New Roman" panose="02020603050405020304" pitchFamily="18" charset="0"/>
+                <a:latin typeface="Arial" panose="020B0604020202020204" pitchFamily="34" charset="0"/>
+                <a:cs typeface="Arial" panose="020B0604020202020204" pitchFamily="34" charset="0"/>
               </a:rPr>
               <a:t>) </a:t>
             </a:r>
@@ -5075,8 +5045,8 @@
               <a:solidFill>
                 <a:schemeClr val="bg1"/>
               </a:solidFill>
-              <a:latin typeface="Times New Roman" panose="02020603050405020304" pitchFamily="18" charset="0"/>
-              <a:cs typeface="Times New Roman" panose="02020603050405020304" pitchFamily="18" charset="0"/>
+              <a:latin typeface="Arial" panose="020B0604020202020204" pitchFamily="34" charset="0"/>
+              <a:cs typeface="Arial" panose="020B0604020202020204" pitchFamily="34" charset="0"/>
             </a:endParaRPr>
           </a:p>
           <a:p>
@@ -5089,8 +5059,8 @@
                 <a:solidFill>
                   <a:schemeClr val="bg1"/>
                 </a:solidFill>
-                <a:latin typeface="Times New Roman" panose="02020603050405020304" pitchFamily="18" charset="0"/>
-                <a:cs typeface="Times New Roman" panose="02020603050405020304" pitchFamily="18" charset="0"/>
+                <a:latin typeface="Arial" panose="020B0604020202020204" pitchFamily="34" charset="0"/>
+                <a:cs typeface="Arial" panose="020B0604020202020204" pitchFamily="34" charset="0"/>
               </a:rPr>
               <a:t>K</a:t>
             </a:r>
@@ -5099,8 +5069,8 @@
                 <a:solidFill>
                   <a:schemeClr val="bg1"/>
                 </a:solidFill>
-                <a:latin typeface="Times New Roman" panose="02020603050405020304" pitchFamily="18" charset="0"/>
-                <a:cs typeface="Times New Roman" panose="02020603050405020304" pitchFamily="18" charset="0"/>
+                <a:latin typeface="Arial" panose="020B0604020202020204" pitchFamily="34" charset="0"/>
+                <a:cs typeface="Arial" panose="020B0604020202020204" pitchFamily="34" charset="0"/>
               </a:rPr>
               <a:t>hả </a:t>
             </a:r>
@@ -5109,8 +5079,8 @@
                 <a:solidFill>
                   <a:schemeClr val="bg1"/>
                 </a:solidFill>
-                <a:latin typeface="Times New Roman" panose="02020603050405020304" pitchFamily="18" charset="0"/>
-                <a:cs typeface="Times New Roman" panose="02020603050405020304" pitchFamily="18" charset="0"/>
+                <a:latin typeface="Arial" panose="020B0604020202020204" pitchFamily="34" charset="0"/>
+                <a:cs typeface="Arial" panose="020B0604020202020204" pitchFamily="34" charset="0"/>
               </a:rPr>
               <a:t>năng tạo ra công việc sử dụng VMware VCO &amp; Microsoft System Center</a:t>
             </a:r>
@@ -5119,8 +5089,8 @@
                 <a:solidFill>
                   <a:schemeClr val="bg1"/>
                 </a:solidFill>
-                <a:latin typeface="Times New Roman" panose="02020603050405020304" pitchFamily="18" charset="0"/>
-                <a:cs typeface="Times New Roman" panose="02020603050405020304" pitchFamily="18" charset="0"/>
+                <a:latin typeface="Arial" panose="020B0604020202020204" pitchFamily="34" charset="0"/>
+                <a:cs typeface="Arial" panose="020B0604020202020204" pitchFamily="34" charset="0"/>
               </a:rPr>
               <a:t>.</a:t>
             </a:r>
@@ -5134,6 +5104,8 @@
               <a:solidFill>
                 <a:schemeClr val="bg1"/>
               </a:solidFill>
+              <a:latin typeface="Arial" panose="020B0604020202020204" pitchFamily="34" charset="0"/>
+              <a:cs typeface="Arial" panose="020B0604020202020204" pitchFamily="34" charset="0"/>
             </a:endParaRPr>
           </a:p>
         </p:txBody>
@@ -5200,8 +5172,8 @@
                 <a:solidFill>
                   <a:schemeClr val="bg1"/>
                 </a:solidFill>
-                <a:latin typeface="Times New Roman" panose="02020603050405020304" pitchFamily="18" charset="0"/>
-                <a:cs typeface="Times New Roman" panose="02020603050405020304" pitchFamily="18" charset="0"/>
+                <a:latin typeface="Arial" panose="020B0604020202020204" pitchFamily="34" charset="0"/>
+                <a:cs typeface="Arial" panose="020B0604020202020204" pitchFamily="34" charset="0"/>
               </a:rPr>
               <a:t>Giá</a:t>
             </a:r>
@@ -5210,8 +5182,8 @@
                 <a:solidFill>
                   <a:schemeClr val="bg1"/>
                 </a:solidFill>
-                <a:latin typeface="Times New Roman" panose="02020603050405020304" pitchFamily="18" charset="0"/>
-                <a:cs typeface="Times New Roman" panose="02020603050405020304" pitchFamily="18" charset="0"/>
+                <a:latin typeface="Arial" panose="020B0604020202020204" pitchFamily="34" charset="0"/>
+                <a:cs typeface="Arial" panose="020B0604020202020204" pitchFamily="34" charset="0"/>
               </a:rPr>
               <a:t> – </a:t>
             </a:r>
@@ -5220,8 +5192,8 @@
                 <a:solidFill>
                   <a:schemeClr val="bg1"/>
                 </a:solidFill>
-                <a:latin typeface="Times New Roman" panose="02020603050405020304" pitchFamily="18" charset="0"/>
-                <a:cs typeface="Times New Roman" panose="02020603050405020304" pitchFamily="18" charset="0"/>
+                <a:latin typeface="Arial" panose="020B0604020202020204" pitchFamily="34" charset="0"/>
+                <a:cs typeface="Arial" panose="020B0604020202020204" pitchFamily="34" charset="0"/>
               </a:rPr>
               <a:t>Hiệu</a:t>
             </a:r>
@@ -5230,8 +5202,8 @@
                 <a:solidFill>
                   <a:schemeClr val="bg1"/>
                 </a:solidFill>
-                <a:latin typeface="Times New Roman" panose="02020603050405020304" pitchFamily="18" charset="0"/>
-                <a:cs typeface="Times New Roman" panose="02020603050405020304" pitchFamily="18" charset="0"/>
+                <a:latin typeface="Arial" panose="020B0604020202020204" pitchFamily="34" charset="0"/>
+                <a:cs typeface="Arial" panose="020B0604020202020204" pitchFamily="34" charset="0"/>
               </a:rPr>
               <a:t> </a:t>
             </a:r>
@@ -5240,8 +5212,8 @@
                 <a:solidFill>
                   <a:schemeClr val="bg1"/>
                 </a:solidFill>
-                <a:latin typeface="Times New Roman" panose="02020603050405020304" pitchFamily="18" charset="0"/>
-                <a:cs typeface="Times New Roman" panose="02020603050405020304" pitchFamily="18" charset="0"/>
+                <a:latin typeface="Arial" panose="020B0604020202020204" pitchFamily="34" charset="0"/>
+                <a:cs typeface="Arial" panose="020B0604020202020204" pitchFamily="34" charset="0"/>
               </a:rPr>
               <a:t>suất</a:t>
             </a:r>
@@ -5249,8 +5221,8 @@
               <a:solidFill>
                 <a:schemeClr val="bg1"/>
               </a:solidFill>
-              <a:latin typeface="Times New Roman" panose="02020603050405020304" pitchFamily="18" charset="0"/>
-              <a:cs typeface="Times New Roman" panose="02020603050405020304" pitchFamily="18" charset="0"/>
+              <a:latin typeface="Arial" panose="020B0604020202020204" pitchFamily="34" charset="0"/>
+              <a:cs typeface="Arial" panose="020B0604020202020204" pitchFamily="34" charset="0"/>
             </a:endParaRPr>
           </a:p>
         </p:txBody>
@@ -5286,8 +5258,8 @@
                 <a:solidFill>
                   <a:schemeClr val="bg1"/>
                 </a:solidFill>
-                <a:latin typeface="Times New Roman" panose="02020603050405020304" pitchFamily="18" charset="0"/>
-                <a:cs typeface="Times New Roman" panose="02020603050405020304" pitchFamily="18" charset="0"/>
+                <a:latin typeface="Arial" panose="020B0604020202020204" pitchFamily="34" charset="0"/>
+                <a:cs typeface="Arial" panose="020B0604020202020204" pitchFamily="34" charset="0"/>
               </a:rPr>
               <a:t>K</a:t>
             </a:r>
@@ -5296,8 +5268,8 @@
                 <a:solidFill>
                   <a:schemeClr val="bg1"/>
                 </a:solidFill>
-                <a:latin typeface="Times New Roman" panose="02020603050405020304" pitchFamily="18" charset="0"/>
-                <a:cs typeface="Times New Roman" panose="02020603050405020304" pitchFamily="18" charset="0"/>
+                <a:latin typeface="Arial" panose="020B0604020202020204" pitchFamily="34" charset="0"/>
+                <a:cs typeface="Arial" panose="020B0604020202020204" pitchFamily="34" charset="0"/>
               </a:rPr>
               <a:t>hả </a:t>
             </a:r>
@@ -5306,8 +5278,8 @@
                 <a:solidFill>
                   <a:schemeClr val="bg1"/>
                 </a:solidFill>
-                <a:latin typeface="Times New Roman" panose="02020603050405020304" pitchFamily="18" charset="0"/>
-                <a:cs typeface="Times New Roman" panose="02020603050405020304" pitchFamily="18" charset="0"/>
+                <a:latin typeface="Arial" panose="020B0604020202020204" pitchFamily="34" charset="0"/>
+                <a:cs typeface="Arial" panose="020B0604020202020204" pitchFamily="34" charset="0"/>
               </a:rPr>
               <a:t>năng mở rộng và khả năng thích ứng, cùng với sự đơn giản và quản lý, những cân nhắc quan trọng trong môi trường SaaS, kiểm soát chi phí luôn là một mục tiêu cơ bản. </a:t>
             </a:r>
@@ -5315,8 +5287,8 @@
               <a:solidFill>
                 <a:schemeClr val="bg1"/>
               </a:solidFill>
-              <a:latin typeface="Times New Roman" panose="02020603050405020304" pitchFamily="18" charset="0"/>
-              <a:cs typeface="Times New Roman" panose="02020603050405020304" pitchFamily="18" charset="0"/>
+              <a:latin typeface="Arial" panose="020B0604020202020204" pitchFamily="34" charset="0"/>
+              <a:cs typeface="Arial" panose="020B0604020202020204" pitchFamily="34" charset="0"/>
             </a:endParaRPr>
           </a:p>
           <a:p>
@@ -5329,8 +5301,8 @@
                 <a:solidFill>
                   <a:schemeClr val="bg1"/>
                 </a:solidFill>
-                <a:latin typeface="Times New Roman" panose="02020603050405020304" pitchFamily="18" charset="0"/>
-                <a:cs typeface="Times New Roman" panose="02020603050405020304" pitchFamily="18" charset="0"/>
+                <a:latin typeface="Arial" panose="020B0604020202020204" pitchFamily="34" charset="0"/>
+                <a:cs typeface="Arial" panose="020B0604020202020204" pitchFamily="34" charset="0"/>
               </a:rPr>
               <a:t>Quan </a:t>
             </a:r>
@@ -5339,8 +5311,8 @@
                 <a:solidFill>
                   <a:schemeClr val="bg1"/>
                 </a:solidFill>
-                <a:latin typeface="Times New Roman" panose="02020603050405020304" pitchFamily="18" charset="0"/>
-                <a:cs typeface="Times New Roman" panose="02020603050405020304" pitchFamily="18" charset="0"/>
+                <a:latin typeface="Arial" panose="020B0604020202020204" pitchFamily="34" charset="0"/>
+                <a:cs typeface="Arial" panose="020B0604020202020204" pitchFamily="34" charset="0"/>
               </a:rPr>
               <a:t>trọng hơn, các nhà cung cấp SaaS và điều khiển dựa trên</a:t>
             </a:r>
@@ -5349,8 +5321,8 @@
                 <a:solidFill>
                   <a:schemeClr val="bg1"/>
                 </a:solidFill>
-                <a:latin typeface="Times New Roman" panose="02020603050405020304" pitchFamily="18" charset="0"/>
-                <a:cs typeface="Times New Roman" panose="02020603050405020304" pitchFamily="18" charset="0"/>
+                <a:latin typeface="Arial" panose="020B0604020202020204" pitchFamily="34" charset="0"/>
+                <a:cs typeface="Arial" panose="020B0604020202020204" pitchFamily="34" charset="0"/>
               </a:rPr>
               <a:t> </a:t>
             </a:r>
@@ -5359,8 +5331,8 @@
                 <a:solidFill>
                   <a:schemeClr val="bg1"/>
                 </a:solidFill>
-                <a:latin typeface="Times New Roman" panose="02020603050405020304" pitchFamily="18" charset="0"/>
-                <a:cs typeface="Times New Roman" panose="02020603050405020304" pitchFamily="18" charset="0"/>
+                <a:latin typeface="Arial" panose="020B0604020202020204" pitchFamily="34" charset="0"/>
+                <a:cs typeface="Arial" panose="020B0604020202020204" pitchFamily="34" charset="0"/>
               </a:rPr>
               <a:t>điện</a:t>
             </a:r>
@@ -5369,8 +5341,8 @@
                 <a:solidFill>
                   <a:schemeClr val="bg1"/>
                 </a:solidFill>
-                <a:latin typeface="Times New Roman" panose="02020603050405020304" pitchFamily="18" charset="0"/>
-                <a:cs typeface="Times New Roman" panose="02020603050405020304" pitchFamily="18" charset="0"/>
+                <a:latin typeface="Arial" panose="020B0604020202020204" pitchFamily="34" charset="0"/>
+                <a:cs typeface="Arial" panose="020B0604020202020204" pitchFamily="34" charset="0"/>
               </a:rPr>
               <a:t> </a:t>
             </a:r>
@@ -5379,8 +5351,8 @@
                 <a:solidFill>
                   <a:schemeClr val="bg1"/>
                 </a:solidFill>
-                <a:latin typeface="Times New Roman" panose="02020603050405020304" pitchFamily="18" charset="0"/>
-                <a:cs typeface="Times New Roman" panose="02020603050405020304" pitchFamily="18" charset="0"/>
+                <a:latin typeface="Arial" panose="020B0604020202020204" pitchFamily="34" charset="0"/>
+                <a:cs typeface="Arial" panose="020B0604020202020204" pitchFamily="34" charset="0"/>
               </a:rPr>
               <a:t>toán</a:t>
             </a:r>
@@ -5389,8 +5361,8 @@
                 <a:solidFill>
                   <a:schemeClr val="bg1"/>
                 </a:solidFill>
-                <a:latin typeface="Times New Roman" panose="02020603050405020304" pitchFamily="18" charset="0"/>
-                <a:cs typeface="Times New Roman" panose="02020603050405020304" pitchFamily="18" charset="0"/>
+                <a:latin typeface="Arial" panose="020B0604020202020204" pitchFamily="34" charset="0"/>
+                <a:cs typeface="Arial" panose="020B0604020202020204" pitchFamily="34" charset="0"/>
               </a:rPr>
               <a:t> đám mây và bên ngoài phải đối mặt với các ứng dụng web nên tìm kiếm ADC mà cung cấp chi phí thấp nhất có thể cho mỗi giao dịch SSL mỗi giây (TPS).</a:t>
             </a:r>
@@ -5398,8 +5370,8 @@
               <a:solidFill>
                 <a:schemeClr val="bg1"/>
               </a:solidFill>
-              <a:latin typeface="Times New Roman" panose="02020603050405020304" pitchFamily="18" charset="0"/>
-              <a:cs typeface="Times New Roman" panose="02020603050405020304" pitchFamily="18" charset="0"/>
+              <a:latin typeface="Arial" panose="020B0604020202020204" pitchFamily="34" charset="0"/>
+              <a:cs typeface="Arial" panose="020B0604020202020204" pitchFamily="34" charset="0"/>
             </a:endParaRPr>
           </a:p>
           <a:p>
@@ -5411,8 +5383,8 @@
               <a:solidFill>
                 <a:schemeClr val="bg1"/>
               </a:solidFill>
-              <a:latin typeface="Times New Roman" panose="02020603050405020304" pitchFamily="18" charset="0"/>
-              <a:cs typeface="Times New Roman" panose="02020603050405020304" pitchFamily="18" charset="0"/>
+              <a:latin typeface="Arial" panose="020B0604020202020204" pitchFamily="34" charset="0"/>
+              <a:cs typeface="Arial" panose="020B0604020202020204" pitchFamily="34" charset="0"/>
             </a:endParaRPr>
           </a:p>
         </p:txBody>
@@ -5438,6 +5410,186 @@
 </file>
 
 <file path=ppt/slides/slide8.xml><?xml version="1.0" encoding="utf-8"?>
+<p:sld xmlns:a="http://schemas.openxmlformats.org/drawingml/2006/main" xmlns:r="http://schemas.openxmlformats.org/officeDocument/2006/relationships" xmlns:p="http://schemas.openxmlformats.org/presentationml/2006/main">
+  <p:cSld>
+    <p:spTree>
+      <p:nvGrpSpPr>
+        <p:cNvPr id="1" name=""/>
+        <p:cNvGrpSpPr/>
+        <p:nvPr/>
+      </p:nvGrpSpPr>
+      <p:grpSpPr>
+        <a:xfrm>
+          <a:off x="0" y="0"/>
+          <a:ext cx="0" cy="0"/>
+          <a:chOff x="0" y="0"/>
+          <a:chExt cx="0" cy="0"/>
+        </a:xfrm>
+      </p:grpSpPr>
+      <p:sp>
+        <p:nvSpPr>
+          <p:cNvPr id="2" name="Title 1"/>
+          <p:cNvSpPr>
+            <a:spLocks noGrp="1"/>
+          </p:cNvSpPr>
+          <p:nvPr>
+            <p:ph type="ctrTitle"/>
+          </p:nvPr>
+        </p:nvSpPr>
+        <p:spPr>
+          <a:xfrm>
+            <a:off x="1524000" y="474663"/>
+            <a:ext cx="9144000" cy="985837"/>
+          </a:xfrm>
+        </p:spPr>
+        <p:txBody>
+          <a:bodyPr/>
+          <a:lstStyle/>
+          <a:p>
+            <a:r>
+              <a:rPr lang="en-US" dirty="0" err="1" smtClean="0">
+                <a:solidFill>
+                  <a:schemeClr val="bg1"/>
+                </a:solidFill>
+              </a:rPr>
+              <a:t>Kết</a:t>
+            </a:r>
+            <a:r>
+              <a:rPr lang="en-US" dirty="0" smtClean="0">
+                <a:solidFill>
+                  <a:schemeClr val="bg1"/>
+                </a:solidFill>
+              </a:rPr>
+              <a:t> </a:t>
+            </a:r>
+            <a:r>
+              <a:rPr lang="en-US" dirty="0" err="1" smtClean="0">
+                <a:solidFill>
+                  <a:schemeClr val="bg1"/>
+                </a:solidFill>
+              </a:rPr>
+              <a:t>luận</a:t>
+            </a:r>
+            <a:endParaRPr lang="en-US" dirty="0">
+              <a:solidFill>
+                <a:schemeClr val="bg1"/>
+              </a:solidFill>
+            </a:endParaRPr>
+          </a:p>
+        </p:txBody>
+      </p:sp>
+      <p:sp>
+        <p:nvSpPr>
+          <p:cNvPr id="3" name="Subtitle 2"/>
+          <p:cNvSpPr>
+            <a:spLocks noGrp="1"/>
+          </p:cNvSpPr>
+          <p:nvPr>
+            <p:ph type="subTitle" idx="1"/>
+          </p:nvPr>
+        </p:nvSpPr>
+        <p:spPr>
+          <a:xfrm>
+            <a:off x="469900" y="1765300"/>
+            <a:ext cx="11252200" cy="4711700"/>
+          </a:xfrm>
+        </p:spPr>
+        <p:txBody>
+          <a:bodyPr/>
+          <a:lstStyle/>
+          <a:p>
+            <a:pPr marL="342900" indent="-342900" algn="just">
+              <a:buFont typeface="Wingdings" panose="05000000000000000000" pitchFamily="2" charset="2"/>
+              <a:buChar char="Ø"/>
+            </a:pPr>
+            <a:r>
+              <a:rPr lang="vi-VN" dirty="0">
+                <a:solidFill>
+                  <a:schemeClr val="bg1"/>
+                </a:solidFill>
+              </a:rPr>
+              <a:t>Đối với các nhà cung cấp SaaS và DevOps và các đội cơ sở hạ tầng </a:t>
+            </a:r>
+            <a:r>
+              <a:rPr lang="vi-VN" dirty="0" smtClean="0">
+                <a:solidFill>
+                  <a:schemeClr val="bg1"/>
+                </a:solidFill>
+              </a:rPr>
+              <a:t>mạng</a:t>
+            </a:r>
+            <a:endParaRPr lang="en-US" dirty="0" smtClean="0">
+              <a:solidFill>
+                <a:schemeClr val="bg1"/>
+              </a:solidFill>
+            </a:endParaRPr>
+          </a:p>
+          <a:p>
+            <a:pPr marL="342900" indent="-342900" algn="just">
+              <a:buFont typeface="Wingdings" panose="05000000000000000000" pitchFamily="2" charset="2"/>
+              <a:buChar char="Ø"/>
+            </a:pPr>
+            <a:r>
+              <a:rPr lang="en-US" dirty="0" smtClean="0">
+                <a:solidFill>
+                  <a:schemeClr val="bg1"/>
+                </a:solidFill>
+              </a:rPr>
+              <a:t>Đ</a:t>
+            </a:r>
+            <a:r>
+              <a:rPr lang="vi-VN" dirty="0" smtClean="0">
+                <a:solidFill>
+                  <a:schemeClr val="bg1"/>
+                </a:solidFill>
+              </a:rPr>
+              <a:t>ánh </a:t>
+            </a:r>
+            <a:r>
+              <a:rPr lang="vi-VN" dirty="0">
+                <a:solidFill>
+                  <a:schemeClr val="bg1"/>
+                </a:solidFill>
+              </a:rPr>
+              <a:t>giá lại các giải pháp mạng và phân phối ứng </a:t>
+            </a:r>
+            <a:r>
+              <a:rPr lang="vi-VN">
+                <a:solidFill>
+                  <a:schemeClr val="bg1"/>
+                </a:solidFill>
+              </a:rPr>
+              <a:t>dụng </a:t>
+            </a:r>
+            <a:endParaRPr lang="en-US" dirty="0" smtClean="0">
+              <a:solidFill>
+                <a:schemeClr val="bg1"/>
+              </a:solidFill>
+            </a:endParaRPr>
+          </a:p>
+        </p:txBody>
+      </p:sp>
+    </p:spTree>
+    <p:extLst>
+      <p:ext uri="{BB962C8B-B14F-4D97-AF65-F5344CB8AC3E}">
+        <p14:creationId xmlns:p14="http://schemas.microsoft.com/office/powerpoint/2010/main" val="470422421"/>
+      </p:ext>
+    </p:extLst>
+  </p:cSld>
+  <p:clrMapOvr>
+    <a:masterClrMapping/>
+  </p:clrMapOvr>
+  <p:timing>
+    <p:tnLst>
+      <p:par>
+        <p:cTn id="1" dur="indefinite" restart="never" nodeType="tmRoot"/>
+      </p:par>
+    </p:tnLst>
+  </p:timing>
+</p:sld>
+</file>
+
+<file path=ppt/slides/slide9.xml><?xml version="1.0" encoding="utf-8"?>
 <p:sld xmlns:a="http://schemas.openxmlformats.org/drawingml/2006/main" xmlns:r="http://schemas.openxmlformats.org/officeDocument/2006/relationships" xmlns:p="http://schemas.openxmlformats.org/presentationml/2006/main">
   <p:cSld>
     <p:spTree>
